--- a/figures/resources/filter_morphological.pptx
+++ b/figures/resources/filter_morphological.pptx
@@ -104,6 +104,11 @@
       </a:defRPr>
     </a:lvl9pPr>
   </p:defaultTextStyle>
+  <p:extLst>
+    <p:ext uri="{EFAFB233-063F-42B5-8137-9DF3F51BA10A}">
+      <p15:sldGuideLst xmlns:p15="http://schemas.microsoft.com/office/powerpoint/2012/main"/>
+    </p:ext>
+  </p:extLst>
 </p:presentation>
 </file>
 
@@ -2986,8 +2991,8 @@
         </p:blipFill>
         <p:spPr>
           <a:xfrm>
-            <a:off x="856487" y="733687"/>
-            <a:ext cx="2913890" cy="2913890"/>
+            <a:off x="268224" y="340496"/>
+            <a:ext cx="3700272" cy="3700272"/>
           </a:xfrm>
           <a:prstGeom prst="rect">
             <a:avLst/>
@@ -3016,8 +3021,8 @@
         </p:blipFill>
         <p:spPr>
           <a:xfrm>
-            <a:off x="856487" y="3380231"/>
-            <a:ext cx="2913890" cy="2913890"/>
+            <a:off x="268224" y="2987040"/>
+            <a:ext cx="3700272" cy="3700272"/>
           </a:xfrm>
           <a:prstGeom prst="rect">
             <a:avLst/>
@@ -3032,8 +3037,8 @@
         </p:nvSpPr>
         <p:spPr>
           <a:xfrm>
-            <a:off x="765598" y="3443358"/>
-            <a:ext cx="2724734" cy="646331"/>
+            <a:off x="202858" y="3356145"/>
+            <a:ext cx="4002403" cy="369332"/>
           </a:xfrm>
           <a:prstGeom prst="rect">
             <a:avLst/>
@@ -3074,8 +3079,8 @@
         </p:nvSpPr>
         <p:spPr>
           <a:xfrm>
-            <a:off x="765598" y="852634"/>
-            <a:ext cx="2746494" cy="646331"/>
+            <a:off x="199922" y="765421"/>
+            <a:ext cx="4256254" cy="369332"/>
           </a:xfrm>
           <a:prstGeom prst="rect">
             <a:avLst/>
@@ -3396,8 +3401,8 @@
         </p:nvSpPr>
         <p:spPr>
           <a:xfrm rot="16200000">
-            <a:off x="8339791" y="-2909930"/>
-            <a:ext cx="129726" cy="6994746"/>
+            <a:off x="8053276" y="-2623416"/>
+            <a:ext cx="129727" cy="6421717"/>
           </a:xfrm>
           <a:prstGeom prst="rightBrace">
             <a:avLst>
@@ -3442,7 +3447,7 @@
         </p:nvSpPr>
         <p:spPr>
           <a:xfrm>
-            <a:off x="7968755" y="153247"/>
+            <a:off x="7704595" y="153247"/>
             <a:ext cx="856325" cy="369332"/>
           </a:xfrm>
           <a:prstGeom prst="rect">
@@ -3472,7 +3477,7 @@
         </p:nvSpPr>
         <p:spPr>
           <a:xfrm>
-            <a:off x="7845325" y="6523072"/>
+            <a:off x="7579493" y="6410947"/>
             <a:ext cx="979755" cy="369332"/>
           </a:xfrm>
           <a:prstGeom prst="rect">
@@ -3502,8 +3507,8 @@
         </p:nvSpPr>
         <p:spPr>
           <a:xfrm rot="5400000" flipV="1">
-            <a:off x="8242255" y="2993091"/>
-            <a:ext cx="129726" cy="6994746"/>
+            <a:off x="8020636" y="3082630"/>
+            <a:ext cx="97471" cy="6519253"/>
           </a:xfrm>
           <a:prstGeom prst="rightBrace">
             <a:avLst>

--- a/figures/resources/filter_morphological.pptx
+++ b/figures/resources/filter_morphological.pptx
@@ -154,10 +154,9 @@
           </a:lstStyle>
           <a:p>
             <a:r>
-              <a:rPr lang="en-US" smtClean="0"/>
+              <a:rPr lang="en-US"/>
               <a:t>Click to edit Master title style</a:t>
             </a:r>
-            <a:endParaRPr lang="en-US"/>
           </a:p>
         </p:txBody>
       </p:sp>
@@ -219,10 +218,9 @@
           </a:lstStyle>
           <a:p>
             <a:r>
-              <a:rPr lang="en-US" smtClean="0"/>
+              <a:rPr lang="en-US"/>
               <a:t>Click to edit Master subtitle style</a:t>
             </a:r>
-            <a:endParaRPr lang="en-US"/>
           </a:p>
         </p:txBody>
       </p:sp>
@@ -243,7 +241,7 @@
           <a:p>
             <a:fld id="{7AB8B68C-29F6-4EB4-8270-C39E4EB575EA}" type="datetimeFigureOut">
               <a:rPr lang="en-US" smtClean="0"/>
-              <a:t>14-Feb-22</a:t>
+              <a:t>2/16/22</a:t>
             </a:fld>
             <a:endParaRPr lang="en-US"/>
           </a:p>
@@ -337,10 +335,9 @@
           <a:lstStyle/>
           <a:p>
             <a:r>
-              <a:rPr lang="en-US" smtClean="0"/>
+              <a:rPr lang="en-US"/>
               <a:t>Click to edit Master title style</a:t>
             </a:r>
-            <a:endParaRPr lang="en-US"/>
           </a:p>
         </p:txBody>
       </p:sp>
@@ -361,38 +358,37 @@
           <a:p>
             <a:pPr lvl="0"/>
             <a:r>
-              <a:rPr lang="en-US" smtClean="0"/>
+              <a:rPr lang="en-US"/>
               <a:t>Edit Master text styles</a:t>
             </a:r>
           </a:p>
           <a:p>
             <a:pPr lvl="1"/>
             <a:r>
-              <a:rPr lang="en-US" smtClean="0"/>
+              <a:rPr lang="en-US"/>
               <a:t>Second level</a:t>
             </a:r>
           </a:p>
           <a:p>
             <a:pPr lvl="2"/>
             <a:r>
-              <a:rPr lang="en-US" smtClean="0"/>
+              <a:rPr lang="en-US"/>
               <a:t>Third level</a:t>
             </a:r>
           </a:p>
           <a:p>
             <a:pPr lvl="3"/>
             <a:r>
-              <a:rPr lang="en-US" smtClean="0"/>
+              <a:rPr lang="en-US"/>
               <a:t>Fourth level</a:t>
             </a:r>
           </a:p>
           <a:p>
             <a:pPr lvl="4"/>
             <a:r>
-              <a:rPr lang="en-US" smtClean="0"/>
+              <a:rPr lang="en-US"/>
               <a:t>Fifth level</a:t>
             </a:r>
-            <a:endParaRPr lang="en-US"/>
           </a:p>
         </p:txBody>
       </p:sp>
@@ -413,7 +409,7 @@
           <a:p>
             <a:fld id="{7AB8B68C-29F6-4EB4-8270-C39E4EB575EA}" type="datetimeFigureOut">
               <a:rPr lang="en-US" smtClean="0"/>
-              <a:t>14-Feb-22</a:t>
+              <a:t>2/16/22</a:t>
             </a:fld>
             <a:endParaRPr lang="en-US"/>
           </a:p>
@@ -512,10 +508,9 @@
           <a:lstStyle/>
           <a:p>
             <a:r>
-              <a:rPr lang="en-US" smtClean="0"/>
+              <a:rPr lang="en-US"/>
               <a:t>Click to edit Master title style</a:t>
             </a:r>
-            <a:endParaRPr lang="en-US"/>
           </a:p>
         </p:txBody>
       </p:sp>
@@ -541,38 +536,37 @@
           <a:p>
             <a:pPr lvl="0"/>
             <a:r>
-              <a:rPr lang="en-US" smtClean="0"/>
+              <a:rPr lang="en-US"/>
               <a:t>Edit Master text styles</a:t>
             </a:r>
           </a:p>
           <a:p>
             <a:pPr lvl="1"/>
             <a:r>
-              <a:rPr lang="en-US" smtClean="0"/>
+              <a:rPr lang="en-US"/>
               <a:t>Second level</a:t>
             </a:r>
           </a:p>
           <a:p>
             <a:pPr lvl="2"/>
             <a:r>
-              <a:rPr lang="en-US" smtClean="0"/>
+              <a:rPr lang="en-US"/>
               <a:t>Third level</a:t>
             </a:r>
           </a:p>
           <a:p>
             <a:pPr lvl="3"/>
             <a:r>
-              <a:rPr lang="en-US" smtClean="0"/>
+              <a:rPr lang="en-US"/>
               <a:t>Fourth level</a:t>
             </a:r>
           </a:p>
           <a:p>
             <a:pPr lvl="4"/>
             <a:r>
-              <a:rPr lang="en-US" smtClean="0"/>
+              <a:rPr lang="en-US"/>
               <a:t>Fifth level</a:t>
             </a:r>
-            <a:endParaRPr lang="en-US"/>
           </a:p>
         </p:txBody>
       </p:sp>
@@ -593,7 +587,7 @@
           <a:p>
             <a:fld id="{7AB8B68C-29F6-4EB4-8270-C39E4EB575EA}" type="datetimeFigureOut">
               <a:rPr lang="en-US" smtClean="0"/>
-              <a:t>14-Feb-22</a:t>
+              <a:t>2/16/22</a:t>
             </a:fld>
             <a:endParaRPr lang="en-US"/>
           </a:p>
@@ -687,10 +681,9 @@
           <a:lstStyle/>
           <a:p>
             <a:r>
-              <a:rPr lang="en-US" smtClean="0"/>
+              <a:rPr lang="en-US"/>
               <a:t>Click to edit Master title style</a:t>
             </a:r>
-            <a:endParaRPr lang="en-US"/>
           </a:p>
         </p:txBody>
       </p:sp>
@@ -711,38 +704,37 @@
           <a:p>
             <a:pPr lvl="0"/>
             <a:r>
-              <a:rPr lang="en-US" smtClean="0"/>
+              <a:rPr lang="en-US"/>
               <a:t>Edit Master text styles</a:t>
             </a:r>
           </a:p>
           <a:p>
             <a:pPr lvl="1"/>
             <a:r>
-              <a:rPr lang="en-US" smtClean="0"/>
+              <a:rPr lang="en-US"/>
               <a:t>Second level</a:t>
             </a:r>
           </a:p>
           <a:p>
             <a:pPr lvl="2"/>
             <a:r>
-              <a:rPr lang="en-US" smtClean="0"/>
+              <a:rPr lang="en-US"/>
               <a:t>Third level</a:t>
             </a:r>
           </a:p>
           <a:p>
             <a:pPr lvl="3"/>
             <a:r>
-              <a:rPr lang="en-US" smtClean="0"/>
+              <a:rPr lang="en-US"/>
               <a:t>Fourth level</a:t>
             </a:r>
           </a:p>
           <a:p>
             <a:pPr lvl="4"/>
             <a:r>
-              <a:rPr lang="en-US" smtClean="0"/>
+              <a:rPr lang="en-US"/>
               <a:t>Fifth level</a:t>
             </a:r>
-            <a:endParaRPr lang="en-US"/>
           </a:p>
         </p:txBody>
       </p:sp>
@@ -763,7 +755,7 @@
           <a:p>
             <a:fld id="{7AB8B68C-29F6-4EB4-8270-C39E4EB575EA}" type="datetimeFigureOut">
               <a:rPr lang="en-US" smtClean="0"/>
-              <a:t>14-Feb-22</a:t>
+              <a:t>2/16/22</a:t>
             </a:fld>
             <a:endParaRPr lang="en-US"/>
           </a:p>
@@ -866,10 +858,9 @@
           </a:lstStyle>
           <a:p>
             <a:r>
-              <a:rPr lang="en-US" smtClean="0"/>
+              <a:rPr lang="en-US"/>
               <a:t>Click to edit Master title style</a:t>
             </a:r>
-            <a:endParaRPr lang="en-US"/>
           </a:p>
         </p:txBody>
       </p:sp>
@@ -986,7 +977,7 @@
           <a:p>
             <a:pPr lvl="0"/>
             <a:r>
-              <a:rPr lang="en-US" smtClean="0"/>
+              <a:rPr lang="en-US"/>
               <a:t>Edit Master text styles</a:t>
             </a:r>
           </a:p>
@@ -1009,7 +1000,7 @@
           <a:p>
             <a:fld id="{7AB8B68C-29F6-4EB4-8270-C39E4EB575EA}" type="datetimeFigureOut">
               <a:rPr lang="en-US" smtClean="0"/>
-              <a:t>14-Feb-22</a:t>
+              <a:t>2/16/22</a:t>
             </a:fld>
             <a:endParaRPr lang="en-US"/>
           </a:p>
@@ -1103,10 +1094,9 @@
           <a:lstStyle/>
           <a:p>
             <a:r>
-              <a:rPr lang="en-US" smtClean="0"/>
+              <a:rPr lang="en-US"/>
               <a:t>Click to edit Master title style</a:t>
             </a:r>
-            <a:endParaRPr lang="en-US"/>
           </a:p>
         </p:txBody>
       </p:sp>
@@ -1132,38 +1122,37 @@
           <a:p>
             <a:pPr lvl="0"/>
             <a:r>
-              <a:rPr lang="en-US" smtClean="0"/>
+              <a:rPr lang="en-US"/>
               <a:t>Edit Master text styles</a:t>
             </a:r>
           </a:p>
           <a:p>
             <a:pPr lvl="1"/>
             <a:r>
-              <a:rPr lang="en-US" smtClean="0"/>
+              <a:rPr lang="en-US"/>
               <a:t>Second level</a:t>
             </a:r>
           </a:p>
           <a:p>
             <a:pPr lvl="2"/>
             <a:r>
-              <a:rPr lang="en-US" smtClean="0"/>
+              <a:rPr lang="en-US"/>
               <a:t>Third level</a:t>
             </a:r>
           </a:p>
           <a:p>
             <a:pPr lvl="3"/>
             <a:r>
-              <a:rPr lang="en-US" smtClean="0"/>
+              <a:rPr lang="en-US"/>
               <a:t>Fourth level</a:t>
             </a:r>
           </a:p>
           <a:p>
             <a:pPr lvl="4"/>
             <a:r>
-              <a:rPr lang="en-US" smtClean="0"/>
+              <a:rPr lang="en-US"/>
               <a:t>Fifth level</a:t>
             </a:r>
-            <a:endParaRPr lang="en-US"/>
           </a:p>
         </p:txBody>
       </p:sp>
@@ -1189,38 +1178,37 @@
           <a:p>
             <a:pPr lvl="0"/>
             <a:r>
-              <a:rPr lang="en-US" smtClean="0"/>
+              <a:rPr lang="en-US"/>
               <a:t>Edit Master text styles</a:t>
             </a:r>
           </a:p>
           <a:p>
             <a:pPr lvl="1"/>
             <a:r>
-              <a:rPr lang="en-US" smtClean="0"/>
+              <a:rPr lang="en-US"/>
               <a:t>Second level</a:t>
             </a:r>
           </a:p>
           <a:p>
             <a:pPr lvl="2"/>
             <a:r>
-              <a:rPr lang="en-US" smtClean="0"/>
+              <a:rPr lang="en-US"/>
               <a:t>Third level</a:t>
             </a:r>
           </a:p>
           <a:p>
             <a:pPr lvl="3"/>
             <a:r>
-              <a:rPr lang="en-US" smtClean="0"/>
+              <a:rPr lang="en-US"/>
               <a:t>Fourth level</a:t>
             </a:r>
           </a:p>
           <a:p>
             <a:pPr lvl="4"/>
             <a:r>
-              <a:rPr lang="en-US" smtClean="0"/>
+              <a:rPr lang="en-US"/>
               <a:t>Fifth level</a:t>
             </a:r>
-            <a:endParaRPr lang="en-US"/>
           </a:p>
         </p:txBody>
       </p:sp>
@@ -1241,7 +1229,7 @@
           <a:p>
             <a:fld id="{7AB8B68C-29F6-4EB4-8270-C39E4EB575EA}" type="datetimeFigureOut">
               <a:rPr lang="en-US" smtClean="0"/>
-              <a:t>14-Feb-22</a:t>
+              <a:t>2/16/22</a:t>
             </a:fld>
             <a:endParaRPr lang="en-US"/>
           </a:p>
@@ -1340,10 +1328,9 @@
           <a:lstStyle/>
           <a:p>
             <a:r>
-              <a:rPr lang="en-US" smtClean="0"/>
+              <a:rPr lang="en-US"/>
               <a:t>Click to edit Master title style</a:t>
             </a:r>
-            <a:endParaRPr lang="en-US"/>
           </a:p>
         </p:txBody>
       </p:sp>
@@ -1406,7 +1393,7 @@
           <a:p>
             <a:pPr lvl="0"/>
             <a:r>
-              <a:rPr lang="en-US" smtClean="0"/>
+              <a:rPr lang="en-US"/>
               <a:t>Edit Master text styles</a:t>
             </a:r>
           </a:p>
@@ -1434,38 +1421,37 @@
           <a:p>
             <a:pPr lvl="0"/>
             <a:r>
-              <a:rPr lang="en-US" smtClean="0"/>
+              <a:rPr lang="en-US"/>
               <a:t>Edit Master text styles</a:t>
             </a:r>
           </a:p>
           <a:p>
             <a:pPr lvl="1"/>
             <a:r>
-              <a:rPr lang="en-US" smtClean="0"/>
+              <a:rPr lang="en-US"/>
               <a:t>Second level</a:t>
             </a:r>
           </a:p>
           <a:p>
             <a:pPr lvl="2"/>
             <a:r>
-              <a:rPr lang="en-US" smtClean="0"/>
+              <a:rPr lang="en-US"/>
               <a:t>Third level</a:t>
             </a:r>
           </a:p>
           <a:p>
             <a:pPr lvl="3"/>
             <a:r>
-              <a:rPr lang="en-US" smtClean="0"/>
+              <a:rPr lang="en-US"/>
               <a:t>Fourth level</a:t>
             </a:r>
           </a:p>
           <a:p>
             <a:pPr lvl="4"/>
             <a:r>
-              <a:rPr lang="en-US" smtClean="0"/>
+              <a:rPr lang="en-US"/>
               <a:t>Fifth level</a:t>
             </a:r>
-            <a:endParaRPr lang="en-US"/>
           </a:p>
         </p:txBody>
       </p:sp>
@@ -1528,7 +1514,7 @@
           <a:p>
             <a:pPr lvl="0"/>
             <a:r>
-              <a:rPr lang="en-US" smtClean="0"/>
+              <a:rPr lang="en-US"/>
               <a:t>Edit Master text styles</a:t>
             </a:r>
           </a:p>
@@ -1556,38 +1542,37 @@
           <a:p>
             <a:pPr lvl="0"/>
             <a:r>
-              <a:rPr lang="en-US" smtClean="0"/>
+              <a:rPr lang="en-US"/>
               <a:t>Edit Master text styles</a:t>
             </a:r>
           </a:p>
           <a:p>
             <a:pPr lvl="1"/>
             <a:r>
-              <a:rPr lang="en-US" smtClean="0"/>
+              <a:rPr lang="en-US"/>
               <a:t>Second level</a:t>
             </a:r>
           </a:p>
           <a:p>
             <a:pPr lvl="2"/>
             <a:r>
-              <a:rPr lang="en-US" smtClean="0"/>
+              <a:rPr lang="en-US"/>
               <a:t>Third level</a:t>
             </a:r>
           </a:p>
           <a:p>
             <a:pPr lvl="3"/>
             <a:r>
-              <a:rPr lang="en-US" smtClean="0"/>
+              <a:rPr lang="en-US"/>
               <a:t>Fourth level</a:t>
             </a:r>
           </a:p>
           <a:p>
             <a:pPr lvl="4"/>
             <a:r>
-              <a:rPr lang="en-US" smtClean="0"/>
+              <a:rPr lang="en-US"/>
               <a:t>Fifth level</a:t>
             </a:r>
-            <a:endParaRPr lang="en-US"/>
           </a:p>
         </p:txBody>
       </p:sp>
@@ -1608,7 +1593,7 @@
           <a:p>
             <a:fld id="{7AB8B68C-29F6-4EB4-8270-C39E4EB575EA}" type="datetimeFigureOut">
               <a:rPr lang="en-US" smtClean="0"/>
-              <a:t>14-Feb-22</a:t>
+              <a:t>2/16/22</a:t>
             </a:fld>
             <a:endParaRPr lang="en-US"/>
           </a:p>
@@ -1702,10 +1687,9 @@
           <a:lstStyle/>
           <a:p>
             <a:r>
-              <a:rPr lang="en-US" smtClean="0"/>
+              <a:rPr lang="en-US"/>
               <a:t>Click to edit Master title style</a:t>
             </a:r>
-            <a:endParaRPr lang="en-US"/>
           </a:p>
         </p:txBody>
       </p:sp>
@@ -1726,7 +1710,7 @@
           <a:p>
             <a:fld id="{7AB8B68C-29F6-4EB4-8270-C39E4EB575EA}" type="datetimeFigureOut">
               <a:rPr lang="en-US" smtClean="0"/>
-              <a:t>14-Feb-22</a:t>
+              <a:t>2/16/22</a:t>
             </a:fld>
             <a:endParaRPr lang="en-US"/>
           </a:p>
@@ -1821,7 +1805,7 @@
           <a:p>
             <a:fld id="{7AB8B68C-29F6-4EB4-8270-C39E4EB575EA}" type="datetimeFigureOut">
               <a:rPr lang="en-US" smtClean="0"/>
-              <a:t>14-Feb-22</a:t>
+              <a:t>2/16/22</a:t>
             </a:fld>
             <a:endParaRPr lang="en-US"/>
           </a:p>
@@ -1924,10 +1908,9 @@
           </a:lstStyle>
           <a:p>
             <a:r>
-              <a:rPr lang="en-US" smtClean="0"/>
+              <a:rPr lang="en-US"/>
               <a:t>Click to edit Master title style</a:t>
             </a:r>
-            <a:endParaRPr lang="en-US"/>
           </a:p>
         </p:txBody>
       </p:sp>
@@ -1981,38 +1964,37 @@
           <a:p>
             <a:pPr lvl="0"/>
             <a:r>
-              <a:rPr lang="en-US" smtClean="0"/>
+              <a:rPr lang="en-US"/>
               <a:t>Edit Master text styles</a:t>
             </a:r>
           </a:p>
           <a:p>
             <a:pPr lvl="1"/>
             <a:r>
-              <a:rPr lang="en-US" smtClean="0"/>
+              <a:rPr lang="en-US"/>
               <a:t>Second level</a:t>
             </a:r>
           </a:p>
           <a:p>
             <a:pPr lvl="2"/>
             <a:r>
-              <a:rPr lang="en-US" smtClean="0"/>
+              <a:rPr lang="en-US"/>
               <a:t>Third level</a:t>
             </a:r>
           </a:p>
           <a:p>
             <a:pPr lvl="3"/>
             <a:r>
-              <a:rPr lang="en-US" smtClean="0"/>
+              <a:rPr lang="en-US"/>
               <a:t>Fourth level</a:t>
             </a:r>
           </a:p>
           <a:p>
             <a:pPr lvl="4"/>
             <a:r>
-              <a:rPr lang="en-US" smtClean="0"/>
+              <a:rPr lang="en-US"/>
               <a:t>Fifth level</a:t>
             </a:r>
-            <a:endParaRPr lang="en-US"/>
           </a:p>
         </p:txBody>
       </p:sp>
@@ -2075,7 +2057,7 @@
           <a:p>
             <a:pPr lvl="0"/>
             <a:r>
-              <a:rPr lang="en-US" smtClean="0"/>
+              <a:rPr lang="en-US"/>
               <a:t>Edit Master text styles</a:t>
             </a:r>
           </a:p>
@@ -2098,7 +2080,7 @@
           <a:p>
             <a:fld id="{7AB8B68C-29F6-4EB4-8270-C39E4EB575EA}" type="datetimeFigureOut">
               <a:rPr lang="en-US" smtClean="0"/>
-              <a:t>14-Feb-22</a:t>
+              <a:t>2/16/22</a:t>
             </a:fld>
             <a:endParaRPr lang="en-US"/>
           </a:p>
@@ -2201,10 +2183,9 @@
           </a:lstStyle>
           <a:p>
             <a:r>
-              <a:rPr lang="en-US" smtClean="0"/>
+              <a:rPr lang="en-US"/>
               <a:t>Click to edit Master title style</a:t>
             </a:r>
-            <a:endParaRPr lang="en-US"/>
           </a:p>
         </p:txBody>
       </p:sp>
@@ -2328,7 +2309,7 @@
           <a:p>
             <a:pPr lvl="0"/>
             <a:r>
-              <a:rPr lang="en-US" smtClean="0"/>
+              <a:rPr lang="en-US"/>
               <a:t>Edit Master text styles</a:t>
             </a:r>
           </a:p>
@@ -2351,7 +2332,7 @@
           <a:p>
             <a:fld id="{7AB8B68C-29F6-4EB4-8270-C39E4EB575EA}" type="datetimeFigureOut">
               <a:rPr lang="en-US" smtClean="0"/>
-              <a:t>14-Feb-22</a:t>
+              <a:t>2/16/22</a:t>
             </a:fld>
             <a:endParaRPr lang="en-US"/>
           </a:p>
@@ -2460,10 +2441,9 @@
           <a:lstStyle/>
           <a:p>
             <a:r>
-              <a:rPr lang="en-US" smtClean="0"/>
+              <a:rPr lang="en-US"/>
               <a:t>Click to edit Master title style</a:t>
             </a:r>
-            <a:endParaRPr lang="en-US"/>
           </a:p>
         </p:txBody>
       </p:sp>
@@ -2494,38 +2474,37 @@
           <a:p>
             <a:pPr lvl="0"/>
             <a:r>
-              <a:rPr lang="en-US" smtClean="0"/>
+              <a:rPr lang="en-US"/>
               <a:t>Edit Master text styles</a:t>
             </a:r>
           </a:p>
           <a:p>
             <a:pPr lvl="1"/>
             <a:r>
-              <a:rPr lang="en-US" smtClean="0"/>
+              <a:rPr lang="en-US"/>
               <a:t>Second level</a:t>
             </a:r>
           </a:p>
           <a:p>
             <a:pPr lvl="2"/>
             <a:r>
-              <a:rPr lang="en-US" smtClean="0"/>
+              <a:rPr lang="en-US"/>
               <a:t>Third level</a:t>
             </a:r>
           </a:p>
           <a:p>
             <a:pPr lvl="3"/>
             <a:r>
-              <a:rPr lang="en-US" smtClean="0"/>
+              <a:rPr lang="en-US"/>
               <a:t>Fourth level</a:t>
             </a:r>
           </a:p>
           <a:p>
             <a:pPr lvl="4"/>
             <a:r>
-              <a:rPr lang="en-US" smtClean="0"/>
+              <a:rPr lang="en-US"/>
               <a:t>Fifth level</a:t>
             </a:r>
-            <a:endParaRPr lang="en-US"/>
           </a:p>
         </p:txBody>
       </p:sp>
@@ -2564,7 +2543,7 @@
           <a:p>
             <a:fld id="{7AB8B68C-29F6-4EB4-8270-C39E4EB575EA}" type="datetimeFigureOut">
               <a:rPr lang="en-US" smtClean="0"/>
-              <a:t>14-Feb-22</a:t>
+              <a:t>2/16/22</a:t>
             </a:fld>
             <a:endParaRPr lang="en-US"/>
           </a:p>
@@ -3052,22 +3031,17 @@
           <a:lstStyle/>
           <a:p>
             <a:r>
-              <a:rPr lang="en-US" dirty="0" smtClean="0"/>
+              <a:rPr lang="en-US" dirty="0"/>
               <a:t>Erode = Min value in </a:t>
             </a:r>
             <a:r>
-              <a:rPr lang="en-US" dirty="0" smtClean="0">
+              <a:rPr lang="en-US" dirty="0">
                 <a:solidFill>
                   <a:srgbClr val="FF0000"/>
                 </a:solidFill>
               </a:rPr>
               <a:t>Structuring element</a:t>
             </a:r>
-            <a:endParaRPr lang="en-US" dirty="0">
-              <a:solidFill>
-                <a:srgbClr val="FF0000"/>
-              </a:solidFill>
-            </a:endParaRPr>
           </a:p>
         </p:txBody>
       </p:sp>
@@ -3094,22 +3068,17 @@
           <a:lstStyle/>
           <a:p>
             <a:r>
-              <a:rPr lang="en-US" dirty="0" smtClean="0"/>
+              <a:rPr lang="en-US" dirty="0"/>
               <a:t>Dilate = Max value in </a:t>
             </a:r>
             <a:r>
-              <a:rPr lang="en-US" dirty="0" smtClean="0">
+              <a:rPr lang="en-US" dirty="0">
                 <a:solidFill>
                   <a:srgbClr val="00EE00"/>
                 </a:solidFill>
               </a:rPr>
               <a:t>Structuring element</a:t>
             </a:r>
-            <a:endParaRPr lang="en-US" dirty="0">
-              <a:solidFill>
-                <a:srgbClr val="00EE00"/>
-              </a:solidFill>
-            </a:endParaRPr>
           </a:p>
         </p:txBody>
       </p:sp>
@@ -3121,16 +3090,15 @@
           </p:cNvPicPr>
           <p:nvPr/>
         </p:nvPicPr>
-        <p:blipFill>
+        <p:blipFill rotWithShape="1">
           <a:blip r:embed="rId4"/>
-          <a:stretch>
-            <a:fillRect/>
-          </a:stretch>
+          <a:srcRect l="2917" t="12225" r="1146" b="2758"/>
+          <a:stretch/>
         </p:blipFill>
         <p:spPr>
           <a:xfrm>
-            <a:off x="4205262" y="2362095"/>
-            <a:ext cx="2240986" cy="2162526"/>
+            <a:off x="4270626" y="2626467"/>
+            <a:ext cx="2149907" cy="1838529"/>
           </a:xfrm>
           <a:prstGeom prst="rect">
             <a:avLst/>
@@ -3145,16 +3113,15 @@
           </p:cNvPicPr>
           <p:nvPr/>
         </p:nvPicPr>
-        <p:blipFill>
+        <p:blipFill rotWithShape="1">
           <a:blip r:embed="rId5"/>
-          <a:stretch>
-            <a:fillRect/>
-          </a:stretch>
+          <a:srcRect l="3599" t="13946" r="2895" b="3511"/>
+          <a:stretch/>
         </p:blipFill>
         <p:spPr>
           <a:xfrm>
-            <a:off x="6719943" y="945374"/>
-            <a:ext cx="2215272" cy="2137712"/>
+            <a:off x="6799633" y="1243332"/>
+            <a:ext cx="2070217" cy="1763519"/>
           </a:xfrm>
           <a:prstGeom prst="rect">
             <a:avLst/>
@@ -3169,16 +3136,15 @@
           </p:cNvPicPr>
           <p:nvPr/>
         </p:nvPicPr>
-        <p:blipFill>
+        <p:blipFill rotWithShape="1">
           <a:blip r:embed="rId6"/>
-          <a:stretch>
-            <a:fillRect/>
-          </a:stretch>
+          <a:srcRect l="3597" t="13994" r="2950" b="4560"/>
+          <a:stretch/>
         </p:blipFill>
         <p:spPr>
           <a:xfrm>
-            <a:off x="6719943" y="3766523"/>
-            <a:ext cx="2215272" cy="2137712"/>
+            <a:off x="6799633" y="4065705"/>
+            <a:ext cx="2070217" cy="1741058"/>
           </a:xfrm>
           <a:prstGeom prst="rect">
             <a:avLst/>
@@ -3193,16 +3159,15 @@
           </p:cNvPicPr>
           <p:nvPr/>
         </p:nvPicPr>
-        <p:blipFill>
+        <p:blipFill rotWithShape="1">
           <a:blip r:embed="rId7"/>
-          <a:stretch>
-            <a:fillRect/>
-          </a:stretch>
+          <a:srcRect l="3597" t="13939" r="2950" b="4493"/>
+          <a:stretch/>
         </p:blipFill>
         <p:spPr>
           <a:xfrm>
-            <a:off x="9113726" y="945374"/>
-            <a:ext cx="2215272" cy="2137712"/>
+            <a:off x="9193417" y="1243332"/>
+            <a:ext cx="2070216" cy="1743708"/>
           </a:xfrm>
           <a:prstGeom prst="rect">
             <a:avLst/>
@@ -3217,16 +3182,15 @@
           </p:cNvPicPr>
           <p:nvPr/>
         </p:nvPicPr>
-        <p:blipFill>
+        <p:blipFill rotWithShape="1">
           <a:blip r:embed="rId8"/>
-          <a:stretch>
-            <a:fillRect/>
-          </a:stretch>
+          <a:srcRect l="3597" t="13994" r="2950" b="4560"/>
+          <a:stretch/>
         </p:blipFill>
         <p:spPr>
           <a:xfrm>
-            <a:off x="9113726" y="3766523"/>
-            <a:ext cx="2215272" cy="2137712"/>
+            <a:off x="9193416" y="4065705"/>
+            <a:ext cx="2070217" cy="1741058"/>
           </a:xfrm>
           <a:prstGeom prst="rect">
             <a:avLst/>
@@ -3244,8 +3208,8 @@
         </p:nvCxnSpPr>
         <p:spPr>
           <a:xfrm rot="5400000" flipH="1" flipV="1">
-            <a:off x="5848917" y="1491069"/>
-            <a:ext cx="347865" cy="1394188"/>
+            <a:off x="5821919" y="1648754"/>
+            <a:ext cx="501375" cy="1454053"/>
           </a:xfrm>
           <a:prstGeom prst="curvedConnector2">
             <a:avLst/>
@@ -3283,7 +3247,7 @@
         </p:nvCxnSpPr>
         <p:spPr>
           <a:xfrm rot="5400000" flipH="1" flipV="1">
-            <a:off x="9024470" y="-251517"/>
+            <a:off x="9031633" y="46441"/>
             <a:ext cx="12700" cy="2393783"/>
           </a:xfrm>
           <a:prstGeom prst="curvedConnector3">
@@ -3324,8 +3288,8 @@
         </p:nvCxnSpPr>
         <p:spPr>
           <a:xfrm rot="16200000" flipH="1">
-            <a:off x="5867470" y="3982906"/>
-            <a:ext cx="310758" cy="1394188"/>
+            <a:off x="5836987" y="3973588"/>
+            <a:ext cx="471238" cy="1454053"/>
           </a:xfrm>
           <a:prstGeom prst="curvedConnector2">
             <a:avLst/>
@@ -3363,7 +3327,7 @@
         </p:nvCxnSpPr>
         <p:spPr>
           <a:xfrm rot="16200000" flipH="1">
-            <a:off x="9024470" y="4707343"/>
+            <a:off x="9031633" y="4609871"/>
             <a:ext cx="12700" cy="2393783"/>
           </a:xfrm>
           <a:prstGeom prst="curvedConnector3">
@@ -3462,10 +3426,9 @@
           <a:lstStyle/>
           <a:p>
             <a:r>
-              <a:rPr lang="en-US" dirty="0" smtClean="0"/>
+              <a:rPr lang="en-US" dirty="0"/>
               <a:t>Closing</a:t>
             </a:r>
-            <a:endParaRPr lang="en-US" dirty="0"/>
           </a:p>
         </p:txBody>
       </p:sp>
@@ -3492,10 +3455,9 @@
           <a:lstStyle/>
           <a:p>
             <a:r>
-              <a:rPr lang="en-US" dirty="0" smtClean="0"/>
+              <a:rPr lang="en-US" dirty="0"/>
               <a:t>Opening</a:t>
             </a:r>
-            <a:endParaRPr lang="en-US" dirty="0"/>
           </a:p>
         </p:txBody>
       </p:sp>

--- a/figures/resources/filter_morphological.pptx
+++ b/figures/resources/filter_morphological.pptx
@@ -6,6 +6,7 @@
   </p:sldMasterIdLst>
   <p:sldIdLst>
     <p:sldId id="256" r:id="rId2"/>
+    <p:sldId id="257" r:id="rId3"/>
   </p:sldIdLst>
   <p:sldSz cx="12192000" cy="6858000"/>
   <p:notesSz cx="6858000" cy="9144000"/>
@@ -241,7 +242,7 @@
           <a:p>
             <a:fld id="{7AB8B68C-29F6-4EB4-8270-C39E4EB575EA}" type="datetimeFigureOut">
               <a:rPr lang="en-US" smtClean="0"/>
-              <a:t>2/16/22</a:t>
+              <a:t>6/12/2023</a:t>
             </a:fld>
             <a:endParaRPr lang="en-US"/>
           </a:p>
@@ -409,7 +410,7 @@
           <a:p>
             <a:fld id="{7AB8B68C-29F6-4EB4-8270-C39E4EB575EA}" type="datetimeFigureOut">
               <a:rPr lang="en-US" smtClean="0"/>
-              <a:t>2/16/22</a:t>
+              <a:t>6/12/2023</a:t>
             </a:fld>
             <a:endParaRPr lang="en-US"/>
           </a:p>
@@ -587,7 +588,7 @@
           <a:p>
             <a:fld id="{7AB8B68C-29F6-4EB4-8270-C39E4EB575EA}" type="datetimeFigureOut">
               <a:rPr lang="en-US" smtClean="0"/>
-              <a:t>2/16/22</a:t>
+              <a:t>6/12/2023</a:t>
             </a:fld>
             <a:endParaRPr lang="en-US"/>
           </a:p>
@@ -755,7 +756,7 @@
           <a:p>
             <a:fld id="{7AB8B68C-29F6-4EB4-8270-C39E4EB575EA}" type="datetimeFigureOut">
               <a:rPr lang="en-US" smtClean="0"/>
-              <a:t>2/16/22</a:t>
+              <a:t>6/12/2023</a:t>
             </a:fld>
             <a:endParaRPr lang="en-US"/>
           </a:p>
@@ -1000,7 +1001,7 @@
           <a:p>
             <a:fld id="{7AB8B68C-29F6-4EB4-8270-C39E4EB575EA}" type="datetimeFigureOut">
               <a:rPr lang="en-US" smtClean="0"/>
-              <a:t>2/16/22</a:t>
+              <a:t>6/12/2023</a:t>
             </a:fld>
             <a:endParaRPr lang="en-US"/>
           </a:p>
@@ -1229,7 +1230,7 @@
           <a:p>
             <a:fld id="{7AB8B68C-29F6-4EB4-8270-C39E4EB575EA}" type="datetimeFigureOut">
               <a:rPr lang="en-US" smtClean="0"/>
-              <a:t>2/16/22</a:t>
+              <a:t>6/12/2023</a:t>
             </a:fld>
             <a:endParaRPr lang="en-US"/>
           </a:p>
@@ -1593,7 +1594,7 @@
           <a:p>
             <a:fld id="{7AB8B68C-29F6-4EB4-8270-C39E4EB575EA}" type="datetimeFigureOut">
               <a:rPr lang="en-US" smtClean="0"/>
-              <a:t>2/16/22</a:t>
+              <a:t>6/12/2023</a:t>
             </a:fld>
             <a:endParaRPr lang="en-US"/>
           </a:p>
@@ -1710,7 +1711,7 @@
           <a:p>
             <a:fld id="{7AB8B68C-29F6-4EB4-8270-C39E4EB575EA}" type="datetimeFigureOut">
               <a:rPr lang="en-US" smtClean="0"/>
-              <a:t>2/16/22</a:t>
+              <a:t>6/12/2023</a:t>
             </a:fld>
             <a:endParaRPr lang="en-US"/>
           </a:p>
@@ -1805,7 +1806,7 @@
           <a:p>
             <a:fld id="{7AB8B68C-29F6-4EB4-8270-C39E4EB575EA}" type="datetimeFigureOut">
               <a:rPr lang="en-US" smtClean="0"/>
-              <a:t>2/16/22</a:t>
+              <a:t>6/12/2023</a:t>
             </a:fld>
             <a:endParaRPr lang="en-US"/>
           </a:p>
@@ -2080,7 +2081,7 @@
           <a:p>
             <a:fld id="{7AB8B68C-29F6-4EB4-8270-C39E4EB575EA}" type="datetimeFigureOut">
               <a:rPr lang="en-US" smtClean="0"/>
-              <a:t>2/16/22</a:t>
+              <a:t>6/12/2023</a:t>
             </a:fld>
             <a:endParaRPr lang="en-US"/>
           </a:p>
@@ -2332,7 +2333,7 @@
           <a:p>
             <a:fld id="{7AB8B68C-29F6-4EB4-8270-C39E4EB575EA}" type="datetimeFigureOut">
               <a:rPr lang="en-US" smtClean="0"/>
-              <a:t>2/16/22</a:t>
+              <a:t>6/12/2023</a:t>
             </a:fld>
             <a:endParaRPr lang="en-US"/>
           </a:p>
@@ -2543,7 +2544,7 @@
           <a:p>
             <a:fld id="{7AB8B68C-29F6-4EB4-8270-C39E4EB575EA}" type="datetimeFigureOut">
               <a:rPr lang="en-US" smtClean="0"/>
-              <a:t>2/16/22</a:t>
+              <a:t>6/12/2023</a:t>
             </a:fld>
             <a:endParaRPr lang="en-US"/>
           </a:p>
@@ -3520,6 +3521,319 @@
 </p:sld>
 </file>
 
+<file path=ppt/slides/slide2.xml><?xml version="1.0" encoding="utf-8"?>
+<p:sld xmlns:a="http://schemas.openxmlformats.org/drawingml/2006/main" xmlns:r="http://schemas.openxmlformats.org/officeDocument/2006/relationships" xmlns:p="http://schemas.openxmlformats.org/presentationml/2006/main">
+  <p:cSld>
+    <p:spTree>
+      <p:nvGrpSpPr>
+        <p:cNvPr id="1" name=""/>
+        <p:cNvGrpSpPr/>
+        <p:nvPr/>
+      </p:nvGrpSpPr>
+      <p:grpSpPr>
+        <a:xfrm>
+          <a:off x="0" y="0"/>
+          <a:ext cx="0" cy="0"/>
+          <a:chOff x="0" y="0"/>
+          <a:chExt cx="0" cy="0"/>
+        </a:xfrm>
+      </p:grpSpPr>
+      <p:pic>
+        <p:nvPicPr>
+          <p:cNvPr id="2" name="Picture 1">
+            <a:extLst>
+              <a:ext uri="{FF2B5EF4-FFF2-40B4-BE49-F238E27FC236}">
+                <a16:creationId xmlns:a16="http://schemas.microsoft.com/office/drawing/2014/main" id="{5F361980-3A00-4B96-9FE2-8407AA42BDDB}"/>
+              </a:ext>
+            </a:extLst>
+          </p:cNvPr>
+          <p:cNvPicPr>
+            <a:picLocks noChangeAspect="1"/>
+          </p:cNvPicPr>
+          <p:nvPr/>
+        </p:nvPicPr>
+        <p:blipFill>
+          <a:blip r:embed="rId2"/>
+          <a:stretch>
+            <a:fillRect/>
+          </a:stretch>
+        </p:blipFill>
+        <p:spPr>
+          <a:xfrm>
+            <a:off x="3114741" y="1163551"/>
+            <a:ext cx="2931533" cy="2586647"/>
+          </a:xfrm>
+          <a:prstGeom prst="rect">
+            <a:avLst/>
+          </a:prstGeom>
+        </p:spPr>
+      </p:pic>
+      <p:pic>
+        <p:nvPicPr>
+          <p:cNvPr id="3" name="Picture 2">
+            <a:extLst>
+              <a:ext uri="{FF2B5EF4-FFF2-40B4-BE49-F238E27FC236}">
+                <a16:creationId xmlns:a16="http://schemas.microsoft.com/office/drawing/2014/main" id="{9CA753B3-536C-4C12-AB96-B150E99DAD6D}"/>
+              </a:ext>
+            </a:extLst>
+          </p:cNvPr>
+          <p:cNvPicPr>
+            <a:picLocks noChangeAspect="1"/>
+          </p:cNvPicPr>
+          <p:nvPr/>
+        </p:nvPicPr>
+        <p:blipFill>
+          <a:blip r:embed="rId3"/>
+          <a:stretch>
+            <a:fillRect/>
+          </a:stretch>
+        </p:blipFill>
+        <p:spPr>
+          <a:xfrm>
+            <a:off x="100648" y="1163550"/>
+            <a:ext cx="2931533" cy="2586647"/>
+          </a:xfrm>
+          <a:prstGeom prst="rect">
+            <a:avLst/>
+          </a:prstGeom>
+        </p:spPr>
+      </p:pic>
+      <p:sp>
+        <p:nvSpPr>
+          <p:cNvPr id="4" name="TextBox 3">
+            <a:extLst>
+              <a:ext uri="{FF2B5EF4-FFF2-40B4-BE49-F238E27FC236}">
+                <a16:creationId xmlns:a16="http://schemas.microsoft.com/office/drawing/2014/main" id="{DC40A257-2B99-4690-B1CE-9D860DB141C3}"/>
+              </a:ext>
+            </a:extLst>
+          </p:cNvPr>
+          <p:cNvSpPr txBox="1"/>
+          <p:nvPr/>
+        </p:nvSpPr>
+        <p:spPr>
+          <a:xfrm>
+            <a:off x="310174" y="1590432"/>
+            <a:ext cx="859383" cy="369332"/>
+          </a:xfrm>
+          <a:prstGeom prst="rect">
+            <a:avLst/>
+          </a:prstGeom>
+          <a:noFill/>
+        </p:spPr>
+        <p:txBody>
+          <a:bodyPr wrap="square" rtlCol="0">
+            <a:spAutoFit/>
+          </a:bodyPr>
+          <a:lstStyle/>
+          <a:p>
+            <a:r>
+              <a:rPr lang="en-US" dirty="0">
+                <a:solidFill>
+                  <a:srgbClr val="FC13FC"/>
+                </a:solidFill>
+              </a:rPr>
+              <a:t>Ch2 </a:t>
+            </a:r>
+          </a:p>
+        </p:txBody>
+      </p:sp>
+      <p:sp>
+        <p:nvSpPr>
+          <p:cNvPr id="5" name="TextBox 4">
+            <a:extLst>
+              <a:ext uri="{FF2B5EF4-FFF2-40B4-BE49-F238E27FC236}">
+                <a16:creationId xmlns:a16="http://schemas.microsoft.com/office/drawing/2014/main" id="{1E0B93F3-CACB-41C1-A544-75E99A4B2A26}"/>
+              </a:ext>
+            </a:extLst>
+          </p:cNvPr>
+          <p:cNvSpPr txBox="1"/>
+          <p:nvPr/>
+        </p:nvSpPr>
+        <p:spPr>
+          <a:xfrm>
+            <a:off x="310174" y="1284658"/>
+            <a:ext cx="859383" cy="369332"/>
+          </a:xfrm>
+          <a:prstGeom prst="rect">
+            <a:avLst/>
+          </a:prstGeom>
+          <a:noFill/>
+        </p:spPr>
+        <p:txBody>
+          <a:bodyPr wrap="square" rtlCol="0">
+            <a:spAutoFit/>
+          </a:bodyPr>
+          <a:lstStyle/>
+          <a:p>
+            <a:r>
+              <a:rPr lang="en-US" dirty="0">
+                <a:solidFill>
+                  <a:srgbClr val="85FF85"/>
+                </a:solidFill>
+              </a:rPr>
+              <a:t>Ch1</a:t>
+            </a:r>
+            <a:r>
+              <a:rPr lang="en-US" dirty="0">
+                <a:solidFill>
+                  <a:srgbClr val="FC13FC"/>
+                </a:solidFill>
+              </a:rPr>
+              <a:t> </a:t>
+            </a:r>
+          </a:p>
+        </p:txBody>
+      </p:sp>
+      <p:pic>
+        <p:nvPicPr>
+          <p:cNvPr id="6" name="Picture 5">
+            <a:extLst>
+              <a:ext uri="{FF2B5EF4-FFF2-40B4-BE49-F238E27FC236}">
+                <a16:creationId xmlns:a16="http://schemas.microsoft.com/office/drawing/2014/main" id="{DB81E352-3570-4882-A83C-9AFB69F6472C}"/>
+              </a:ext>
+            </a:extLst>
+          </p:cNvPr>
+          <p:cNvPicPr>
+            <a:picLocks noChangeAspect="1"/>
+          </p:cNvPicPr>
+          <p:nvPr/>
+        </p:nvPicPr>
+        <p:blipFill>
+          <a:blip r:embed="rId4"/>
+          <a:stretch>
+            <a:fillRect/>
+          </a:stretch>
+        </p:blipFill>
+        <p:spPr>
+          <a:xfrm>
+            <a:off x="6096000" y="1163550"/>
+            <a:ext cx="2931533" cy="2586647"/>
+          </a:xfrm>
+          <a:prstGeom prst="rect">
+            <a:avLst/>
+          </a:prstGeom>
+        </p:spPr>
+      </p:pic>
+      <p:pic>
+        <p:nvPicPr>
+          <p:cNvPr id="9" name="Picture 8">
+            <a:extLst>
+              <a:ext uri="{FF2B5EF4-FFF2-40B4-BE49-F238E27FC236}">
+                <a16:creationId xmlns:a16="http://schemas.microsoft.com/office/drawing/2014/main" id="{BE56F1A3-3ACC-466B-B7B1-44812CA0B3EC}"/>
+              </a:ext>
+            </a:extLst>
+          </p:cNvPr>
+          <p:cNvPicPr>
+            <a:picLocks noChangeAspect="1"/>
+          </p:cNvPicPr>
+          <p:nvPr/>
+        </p:nvPicPr>
+        <p:blipFill>
+          <a:blip r:embed="rId5"/>
+          <a:stretch>
+            <a:fillRect/>
+          </a:stretch>
+        </p:blipFill>
+        <p:spPr>
+          <a:xfrm>
+            <a:off x="9119358" y="1163550"/>
+            <a:ext cx="2931533" cy="2586647"/>
+          </a:xfrm>
+          <a:prstGeom prst="rect">
+            <a:avLst/>
+          </a:prstGeom>
+        </p:spPr>
+      </p:pic>
+      <p:cxnSp>
+        <p:nvCxnSpPr>
+          <p:cNvPr id="11" name="Straight Arrow Connector 10">
+            <a:extLst>
+              <a:ext uri="{FF2B5EF4-FFF2-40B4-BE49-F238E27FC236}">
+                <a16:creationId xmlns:a16="http://schemas.microsoft.com/office/drawing/2014/main" id="{923B4C14-74CE-46C1-A48C-330006F897DA}"/>
+              </a:ext>
+            </a:extLst>
+          </p:cNvPr>
+          <p:cNvCxnSpPr/>
+          <p:nvPr/>
+        </p:nvCxnSpPr>
+        <p:spPr>
+          <a:xfrm>
+            <a:off x="3065015" y="740780"/>
+            <a:ext cx="8787461" cy="0"/>
+          </a:xfrm>
+          <a:prstGeom prst="straightConnector1">
+            <a:avLst/>
+          </a:prstGeom>
+          <a:ln w="38100">
+            <a:solidFill>
+              <a:schemeClr val="tx1"/>
+            </a:solidFill>
+            <a:tailEnd type="triangle"/>
+          </a:ln>
+        </p:spPr>
+        <p:style>
+          <a:lnRef idx="1">
+            <a:schemeClr val="accent1"/>
+          </a:lnRef>
+          <a:fillRef idx="0">
+            <a:schemeClr val="accent1"/>
+          </a:fillRef>
+          <a:effectRef idx="0">
+            <a:schemeClr val="accent1"/>
+          </a:effectRef>
+          <a:fontRef idx="minor">
+            <a:schemeClr val="tx1"/>
+          </a:fontRef>
+        </p:style>
+      </p:cxnSp>
+      <p:sp>
+        <p:nvSpPr>
+          <p:cNvPr id="12" name="TextBox 11">
+            <a:extLst>
+              <a:ext uri="{FF2B5EF4-FFF2-40B4-BE49-F238E27FC236}">
+                <a16:creationId xmlns:a16="http://schemas.microsoft.com/office/drawing/2014/main" id="{0E4D403F-3CA0-4AFB-826B-E13167E246C7}"/>
+              </a:ext>
+            </a:extLst>
+          </p:cNvPr>
+          <p:cNvSpPr txBox="1"/>
+          <p:nvPr/>
+        </p:nvSpPr>
+        <p:spPr>
+          <a:xfrm>
+            <a:off x="5833641" y="371448"/>
+            <a:ext cx="2328266" cy="369332"/>
+          </a:xfrm>
+          <a:prstGeom prst="rect">
+            <a:avLst/>
+          </a:prstGeom>
+          <a:noFill/>
+        </p:spPr>
+        <p:txBody>
+          <a:bodyPr wrap="none" rtlCol="0">
+            <a:spAutoFit/>
+          </a:bodyPr>
+          <a:lstStyle/>
+          <a:p>
+            <a:r>
+              <a:rPr lang="en-US" dirty="0"/>
+              <a:t>Morphological filtering</a:t>
+            </a:r>
+          </a:p>
+        </p:txBody>
+      </p:sp>
+    </p:spTree>
+    <p:extLst>
+      <p:ext uri="{BB962C8B-B14F-4D97-AF65-F5344CB8AC3E}">
+        <p14:creationId xmlns:p14="http://schemas.microsoft.com/office/powerpoint/2010/main" val="1363774330"/>
+      </p:ext>
+    </p:extLst>
+  </p:cSld>
+  <p:clrMapOvr>
+    <a:masterClrMapping/>
+  </p:clrMapOvr>
+</p:sld>
+</file>
+
 <file path=ppt/theme/theme1.xml><?xml version="1.0" encoding="utf-8"?>
 <a:theme xmlns:a="http://schemas.openxmlformats.org/drawingml/2006/main" name="Office Theme">
   <a:themeElements>

--- a/figures/resources/filter_morphological.pptx
+++ b/figures/resources/filter_morphological.pptx
@@ -2949,565 +2949,586 @@
           <a:chExt cx="0" cy="0"/>
         </a:xfrm>
       </p:grpSpPr>
-      <p:pic>
-        <p:nvPicPr>
-          <p:cNvPr id="12" name="Picture 11"/>
-          <p:cNvPicPr>
-            <a:picLocks noChangeAspect="1"/>
-          </p:cNvPicPr>
-          <p:nvPr/>
-        </p:nvPicPr>
-        <p:blipFill>
-          <a:blip r:embed="rId2" cstate="print">
+      <p:grpSp>
+        <p:nvGrpSpPr>
+          <p:cNvPr id="2" name="Group 1">
             <a:extLst>
-              <a:ext uri="{28A0092B-C50C-407E-A947-70E740481C1C}">
-                <a14:useLocalDpi xmlns:a14="http://schemas.microsoft.com/office/drawing/2010/main" val="0"/>
+              <a:ext uri="{FF2B5EF4-FFF2-40B4-BE49-F238E27FC236}">
+                <a16:creationId xmlns:a16="http://schemas.microsoft.com/office/drawing/2014/main" id="{525E5E12-7C12-4C24-A1A0-627C99A32773}"/>
               </a:ext>
             </a:extLst>
-          </a:blip>
-          <a:stretch>
-            <a:fillRect/>
-          </a:stretch>
-        </p:blipFill>
-        <p:spPr>
+          </p:cNvPr>
+          <p:cNvGrpSpPr/>
+          <p:nvPr/>
+        </p:nvGrpSpPr>
+        <p:grpSpPr>
           <a:xfrm>
-            <a:off x="268224" y="340496"/>
-            <a:ext cx="3700272" cy="3700272"/>
+            <a:off x="199922" y="153247"/>
+            <a:ext cx="11129076" cy="6627032"/>
+            <a:chOff x="199922" y="153247"/>
+            <a:chExt cx="11129076" cy="6627032"/>
           </a:xfrm>
-          <a:prstGeom prst="rect">
-            <a:avLst/>
-          </a:prstGeom>
-        </p:spPr>
-      </p:pic>
-      <p:pic>
-        <p:nvPicPr>
-          <p:cNvPr id="13" name="Picture 12"/>
-          <p:cNvPicPr>
-            <a:picLocks noChangeAspect="1"/>
-          </p:cNvPicPr>
-          <p:nvPr/>
-        </p:nvPicPr>
-        <p:blipFill>
-          <a:blip r:embed="rId3" cstate="print">
-            <a:extLst>
-              <a:ext uri="{28A0092B-C50C-407E-A947-70E740481C1C}">
-                <a14:useLocalDpi xmlns:a14="http://schemas.microsoft.com/office/drawing/2010/main" val="0"/>
-              </a:ext>
-            </a:extLst>
-          </a:blip>
-          <a:stretch>
-            <a:fillRect/>
-          </a:stretch>
-        </p:blipFill>
-        <p:spPr>
-          <a:xfrm>
-            <a:off x="268224" y="2987040"/>
-            <a:ext cx="3700272" cy="3700272"/>
-          </a:xfrm>
-          <a:prstGeom prst="rect">
-            <a:avLst/>
-          </a:prstGeom>
-        </p:spPr>
-      </p:pic>
-      <p:sp>
-        <p:nvSpPr>
-          <p:cNvPr id="14" name="TextBox 13"/>
-          <p:cNvSpPr txBox="1"/>
-          <p:nvPr/>
-        </p:nvSpPr>
-        <p:spPr>
-          <a:xfrm>
-            <a:off x="202858" y="3356145"/>
-            <a:ext cx="4002403" cy="369332"/>
-          </a:xfrm>
-          <a:prstGeom prst="rect">
-            <a:avLst/>
-          </a:prstGeom>
-          <a:noFill/>
-        </p:spPr>
-        <p:txBody>
-          <a:bodyPr wrap="square" rtlCol="0">
-            <a:spAutoFit/>
-          </a:bodyPr>
-          <a:lstStyle/>
-          <a:p>
-            <a:r>
-              <a:rPr lang="en-US" dirty="0"/>
-              <a:t>Erode = Min value in </a:t>
-            </a:r>
-            <a:r>
-              <a:rPr lang="en-US" dirty="0">
-                <a:solidFill>
-                  <a:srgbClr val="FF0000"/>
-                </a:solidFill>
-              </a:rPr>
-              <a:t>Structuring element</a:t>
-            </a:r>
-          </a:p>
-        </p:txBody>
-      </p:sp>
-      <p:sp>
-        <p:nvSpPr>
-          <p:cNvPr id="15" name="TextBox 14"/>
-          <p:cNvSpPr txBox="1"/>
-          <p:nvPr/>
-        </p:nvSpPr>
-        <p:spPr>
-          <a:xfrm>
-            <a:off x="199922" y="765421"/>
-            <a:ext cx="4256254" cy="369332"/>
-          </a:xfrm>
-          <a:prstGeom prst="rect">
-            <a:avLst/>
-          </a:prstGeom>
-          <a:noFill/>
-        </p:spPr>
-        <p:txBody>
-          <a:bodyPr wrap="square" rtlCol="0">
-            <a:spAutoFit/>
-          </a:bodyPr>
-          <a:lstStyle/>
-          <a:p>
-            <a:r>
-              <a:rPr lang="en-US" dirty="0"/>
-              <a:t>Dilate = Max value in </a:t>
-            </a:r>
-            <a:r>
-              <a:rPr lang="en-US" dirty="0">
-                <a:solidFill>
-                  <a:srgbClr val="00EE00"/>
-                </a:solidFill>
-              </a:rPr>
-              <a:t>Structuring element</a:t>
-            </a:r>
-          </a:p>
-        </p:txBody>
-      </p:sp>
-      <p:pic>
-        <p:nvPicPr>
-          <p:cNvPr id="35" name="Picture 34"/>
-          <p:cNvPicPr>
-            <a:picLocks noChangeAspect="1"/>
-          </p:cNvPicPr>
-          <p:nvPr/>
-        </p:nvPicPr>
-        <p:blipFill rotWithShape="1">
-          <a:blip r:embed="rId4"/>
-          <a:srcRect l="2917" t="12225" r="1146" b="2758"/>
-          <a:stretch/>
-        </p:blipFill>
-        <p:spPr>
-          <a:xfrm>
-            <a:off x="4270626" y="2626467"/>
-            <a:ext cx="2149907" cy="1838529"/>
-          </a:xfrm>
-          <a:prstGeom prst="rect">
-            <a:avLst/>
-          </a:prstGeom>
-        </p:spPr>
-      </p:pic>
-      <p:pic>
-        <p:nvPicPr>
-          <p:cNvPr id="36" name="Picture 35"/>
-          <p:cNvPicPr>
-            <a:picLocks noChangeAspect="1"/>
-          </p:cNvPicPr>
-          <p:nvPr/>
-        </p:nvPicPr>
-        <p:blipFill rotWithShape="1">
-          <a:blip r:embed="rId5"/>
-          <a:srcRect l="3599" t="13946" r="2895" b="3511"/>
-          <a:stretch/>
-        </p:blipFill>
-        <p:spPr>
-          <a:xfrm>
-            <a:off x="6799633" y="1243332"/>
-            <a:ext cx="2070217" cy="1763519"/>
-          </a:xfrm>
-          <a:prstGeom prst="rect">
-            <a:avLst/>
-          </a:prstGeom>
-        </p:spPr>
-      </p:pic>
-      <p:pic>
-        <p:nvPicPr>
-          <p:cNvPr id="37" name="Picture 36"/>
-          <p:cNvPicPr>
-            <a:picLocks noChangeAspect="1"/>
-          </p:cNvPicPr>
-          <p:nvPr/>
-        </p:nvPicPr>
-        <p:blipFill rotWithShape="1">
-          <a:blip r:embed="rId6"/>
-          <a:srcRect l="3597" t="13994" r="2950" b="4560"/>
-          <a:stretch/>
-        </p:blipFill>
-        <p:spPr>
-          <a:xfrm>
-            <a:off x="6799633" y="4065705"/>
-            <a:ext cx="2070217" cy="1741058"/>
-          </a:xfrm>
-          <a:prstGeom prst="rect">
-            <a:avLst/>
-          </a:prstGeom>
-        </p:spPr>
-      </p:pic>
-      <p:pic>
-        <p:nvPicPr>
-          <p:cNvPr id="38" name="Picture 37"/>
-          <p:cNvPicPr>
-            <a:picLocks noChangeAspect="1"/>
-          </p:cNvPicPr>
-          <p:nvPr/>
-        </p:nvPicPr>
-        <p:blipFill rotWithShape="1">
-          <a:blip r:embed="rId7"/>
-          <a:srcRect l="3597" t="13939" r="2950" b="4493"/>
-          <a:stretch/>
-        </p:blipFill>
-        <p:spPr>
-          <a:xfrm>
-            <a:off x="9193417" y="1243332"/>
-            <a:ext cx="2070216" cy="1743708"/>
-          </a:xfrm>
-          <a:prstGeom prst="rect">
-            <a:avLst/>
-          </a:prstGeom>
-        </p:spPr>
-      </p:pic>
-      <p:pic>
-        <p:nvPicPr>
-          <p:cNvPr id="39" name="Picture 38"/>
-          <p:cNvPicPr>
-            <a:picLocks noChangeAspect="1"/>
-          </p:cNvPicPr>
-          <p:nvPr/>
-        </p:nvPicPr>
-        <p:blipFill rotWithShape="1">
-          <a:blip r:embed="rId8"/>
-          <a:srcRect l="3597" t="13994" r="2950" b="4560"/>
-          <a:stretch/>
-        </p:blipFill>
-        <p:spPr>
-          <a:xfrm>
-            <a:off x="9193416" y="4065705"/>
-            <a:ext cx="2070217" cy="1741058"/>
-          </a:xfrm>
-          <a:prstGeom prst="rect">
-            <a:avLst/>
-          </a:prstGeom>
-        </p:spPr>
-      </p:pic>
-      <p:cxnSp>
-        <p:nvCxnSpPr>
-          <p:cNvPr id="42" name="Curved Connector 41"/>
-          <p:cNvCxnSpPr>
-            <a:stCxn id="35" idx="0"/>
-            <a:endCxn id="36" idx="1"/>
-          </p:cNvCxnSpPr>
-          <p:nvPr/>
-        </p:nvCxnSpPr>
-        <p:spPr>
-          <a:xfrm rot="5400000" flipH="1" flipV="1">
-            <a:off x="5821919" y="1648754"/>
-            <a:ext cx="501375" cy="1454053"/>
-          </a:xfrm>
-          <a:prstGeom prst="curvedConnector2">
-            <a:avLst/>
-          </a:prstGeom>
-          <a:ln w="28575">
-            <a:solidFill>
-              <a:srgbClr val="00EE00"/>
-            </a:solidFill>
-            <a:tailEnd type="triangle"/>
-          </a:ln>
-        </p:spPr>
-        <p:style>
-          <a:lnRef idx="1">
-            <a:schemeClr val="accent1"/>
-          </a:lnRef>
-          <a:fillRef idx="0">
-            <a:schemeClr val="accent1"/>
-          </a:fillRef>
-          <a:effectRef idx="0">
-            <a:schemeClr val="accent1"/>
-          </a:effectRef>
-          <a:fontRef idx="minor">
-            <a:schemeClr val="tx1"/>
-          </a:fontRef>
-        </p:style>
-      </p:cxnSp>
-      <p:cxnSp>
-        <p:nvCxnSpPr>
-          <p:cNvPr id="44" name="Curved Connector 43"/>
-          <p:cNvCxnSpPr>
-            <a:stCxn id="36" idx="0"/>
-            <a:endCxn id="38" idx="0"/>
-          </p:cNvCxnSpPr>
-          <p:nvPr/>
-        </p:nvCxnSpPr>
-        <p:spPr>
-          <a:xfrm rot="5400000" flipH="1" flipV="1">
-            <a:off x="9031633" y="46441"/>
-            <a:ext cx="12700" cy="2393783"/>
-          </a:xfrm>
-          <a:prstGeom prst="curvedConnector3">
-            <a:avLst>
-              <a:gd name="adj1" fmla="val 1800000"/>
-            </a:avLst>
-          </a:prstGeom>
-          <a:ln w="38100">
-            <a:solidFill>
-              <a:srgbClr val="FF0000"/>
-            </a:solidFill>
-            <a:tailEnd type="triangle"/>
-          </a:ln>
-        </p:spPr>
-        <p:style>
-          <a:lnRef idx="1">
-            <a:schemeClr val="accent1"/>
-          </a:lnRef>
-          <a:fillRef idx="0">
-            <a:schemeClr val="accent1"/>
-          </a:fillRef>
-          <a:effectRef idx="0">
-            <a:schemeClr val="accent1"/>
-          </a:effectRef>
-          <a:fontRef idx="minor">
-            <a:schemeClr val="tx1"/>
-          </a:fontRef>
-        </p:style>
-      </p:cxnSp>
-      <p:cxnSp>
-        <p:nvCxnSpPr>
-          <p:cNvPr id="46" name="Curved Connector 45"/>
-          <p:cNvCxnSpPr>
-            <a:stCxn id="35" idx="2"/>
-            <a:endCxn id="37" idx="1"/>
-          </p:cNvCxnSpPr>
-          <p:nvPr/>
-        </p:nvCxnSpPr>
-        <p:spPr>
-          <a:xfrm rot="16200000" flipH="1">
-            <a:off x="5836987" y="3973588"/>
-            <a:ext cx="471238" cy="1454053"/>
-          </a:xfrm>
-          <a:prstGeom prst="curvedConnector2">
-            <a:avLst/>
-          </a:prstGeom>
-          <a:ln w="38100">
-            <a:solidFill>
-              <a:srgbClr val="FF0000"/>
-            </a:solidFill>
-            <a:tailEnd type="triangle"/>
-          </a:ln>
-        </p:spPr>
-        <p:style>
-          <a:lnRef idx="1">
-            <a:schemeClr val="accent1"/>
-          </a:lnRef>
-          <a:fillRef idx="0">
-            <a:schemeClr val="accent1"/>
-          </a:fillRef>
-          <a:effectRef idx="0">
-            <a:schemeClr val="accent1"/>
-          </a:effectRef>
-          <a:fontRef idx="minor">
-            <a:schemeClr val="tx1"/>
-          </a:fontRef>
-        </p:style>
-      </p:cxnSp>
-      <p:cxnSp>
-        <p:nvCxnSpPr>
-          <p:cNvPr id="48" name="Curved Connector 47"/>
-          <p:cNvCxnSpPr>
-            <a:stCxn id="37" idx="2"/>
-            <a:endCxn id="39" idx="2"/>
-          </p:cNvCxnSpPr>
-          <p:nvPr/>
-        </p:nvCxnSpPr>
-        <p:spPr>
-          <a:xfrm rot="16200000" flipH="1">
-            <a:off x="9031633" y="4609871"/>
-            <a:ext cx="12700" cy="2393783"/>
-          </a:xfrm>
-          <a:prstGeom prst="curvedConnector3">
-            <a:avLst>
-              <a:gd name="adj1" fmla="val 1800000"/>
-            </a:avLst>
-          </a:prstGeom>
-          <a:ln w="38100">
-            <a:solidFill>
-              <a:srgbClr val="00EE00"/>
-            </a:solidFill>
-            <a:tailEnd type="triangle"/>
-          </a:ln>
-        </p:spPr>
-        <p:style>
-          <a:lnRef idx="1">
-            <a:schemeClr val="accent1"/>
-          </a:lnRef>
-          <a:fillRef idx="0">
-            <a:schemeClr val="accent1"/>
-          </a:fillRef>
-          <a:effectRef idx="0">
-            <a:schemeClr val="accent1"/>
-          </a:effectRef>
-          <a:fontRef idx="minor">
-            <a:schemeClr val="tx1"/>
-          </a:fontRef>
-        </p:style>
-      </p:cxnSp>
-      <p:sp>
-        <p:nvSpPr>
-          <p:cNvPr id="49" name="Right Brace 48"/>
-          <p:cNvSpPr/>
-          <p:nvPr/>
-        </p:nvSpPr>
-        <p:spPr>
-          <a:xfrm rot="16200000">
-            <a:off x="8053276" y="-2623416"/>
-            <a:ext cx="129727" cy="6421717"/>
-          </a:xfrm>
-          <a:prstGeom prst="rightBrace">
-            <a:avLst>
-              <a:gd name="adj1" fmla="val 8333"/>
-              <a:gd name="adj2" fmla="val 50235"/>
-            </a:avLst>
-          </a:prstGeom>
-          <a:ln w="12700">
-            <a:solidFill>
+        </p:grpSpPr>
+        <p:pic>
+          <p:nvPicPr>
+            <p:cNvPr id="12" name="Picture 11"/>
+            <p:cNvPicPr>
+              <a:picLocks noChangeAspect="1"/>
+            </p:cNvPicPr>
+            <p:nvPr/>
+          </p:nvPicPr>
+          <p:blipFill>
+            <a:blip r:embed="rId2" cstate="print">
+              <a:extLst>
+                <a:ext uri="{28A0092B-C50C-407E-A947-70E740481C1C}">
+                  <a14:useLocalDpi xmlns:a14="http://schemas.microsoft.com/office/drawing/2010/main" val="0"/>
+                </a:ext>
+              </a:extLst>
+            </a:blip>
+            <a:stretch>
+              <a:fillRect/>
+            </a:stretch>
+          </p:blipFill>
+          <p:spPr>
+            <a:xfrm>
+              <a:off x="268224" y="340496"/>
+              <a:ext cx="3700272" cy="3700272"/>
+            </a:xfrm>
+            <a:prstGeom prst="rect">
+              <a:avLst/>
+            </a:prstGeom>
+          </p:spPr>
+        </p:pic>
+        <p:pic>
+          <p:nvPicPr>
+            <p:cNvPr id="13" name="Picture 12"/>
+            <p:cNvPicPr>
+              <a:picLocks noChangeAspect="1"/>
+            </p:cNvPicPr>
+            <p:nvPr/>
+          </p:nvPicPr>
+          <p:blipFill>
+            <a:blip r:embed="rId3" cstate="print">
+              <a:extLst>
+                <a:ext uri="{28A0092B-C50C-407E-A947-70E740481C1C}">
+                  <a14:useLocalDpi xmlns:a14="http://schemas.microsoft.com/office/drawing/2010/main" val="0"/>
+                </a:ext>
+              </a:extLst>
+            </a:blip>
+            <a:stretch>
+              <a:fillRect/>
+            </a:stretch>
+          </p:blipFill>
+          <p:spPr>
+            <a:xfrm>
+              <a:off x="268224" y="2987040"/>
+              <a:ext cx="3700272" cy="3700272"/>
+            </a:xfrm>
+            <a:prstGeom prst="rect">
+              <a:avLst/>
+            </a:prstGeom>
+          </p:spPr>
+        </p:pic>
+        <p:sp>
+          <p:nvSpPr>
+            <p:cNvPr id="14" name="TextBox 13"/>
+            <p:cNvSpPr txBox="1"/>
+            <p:nvPr/>
+          </p:nvSpPr>
+          <p:spPr>
+            <a:xfrm>
+              <a:off x="202858" y="3356145"/>
+              <a:ext cx="4002403" cy="369332"/>
+            </a:xfrm>
+            <a:prstGeom prst="rect">
+              <a:avLst/>
+            </a:prstGeom>
+            <a:noFill/>
+          </p:spPr>
+          <p:txBody>
+            <a:bodyPr wrap="square" rtlCol="0">
+              <a:spAutoFit/>
+            </a:bodyPr>
+            <a:lstStyle/>
+            <a:p>
+              <a:r>
+                <a:rPr lang="en-US" dirty="0"/>
+                <a:t>Erode = Min value in </a:t>
+              </a:r>
+              <a:r>
+                <a:rPr lang="en-US" dirty="0">
+                  <a:solidFill>
+                    <a:srgbClr val="FF0000"/>
+                  </a:solidFill>
+                </a:rPr>
+                <a:t>Structuring element</a:t>
+              </a:r>
+            </a:p>
+          </p:txBody>
+        </p:sp>
+        <p:sp>
+          <p:nvSpPr>
+            <p:cNvPr id="15" name="TextBox 14"/>
+            <p:cNvSpPr txBox="1"/>
+            <p:nvPr/>
+          </p:nvSpPr>
+          <p:spPr>
+            <a:xfrm>
+              <a:off x="199922" y="765421"/>
+              <a:ext cx="4256254" cy="369332"/>
+            </a:xfrm>
+            <a:prstGeom prst="rect">
+              <a:avLst/>
+            </a:prstGeom>
+            <a:noFill/>
+          </p:spPr>
+          <p:txBody>
+            <a:bodyPr wrap="square" rtlCol="0">
+              <a:spAutoFit/>
+            </a:bodyPr>
+            <a:lstStyle/>
+            <a:p>
+              <a:r>
+                <a:rPr lang="en-US" dirty="0"/>
+                <a:t>Dilate = Max value in </a:t>
+              </a:r>
+              <a:r>
+                <a:rPr lang="en-US" dirty="0">
+                  <a:solidFill>
+                    <a:srgbClr val="00EE00"/>
+                  </a:solidFill>
+                </a:rPr>
+                <a:t>Structuring element</a:t>
+              </a:r>
+            </a:p>
+          </p:txBody>
+        </p:sp>
+        <p:pic>
+          <p:nvPicPr>
+            <p:cNvPr id="35" name="Picture 34"/>
+            <p:cNvPicPr>
+              <a:picLocks noChangeAspect="1"/>
+            </p:cNvPicPr>
+            <p:nvPr/>
+          </p:nvPicPr>
+          <p:blipFill rotWithShape="1">
+            <a:blip r:embed="rId4"/>
+            <a:srcRect l="2917" t="12225" r="1146" b="2758"/>
+            <a:stretch/>
+          </p:blipFill>
+          <p:spPr>
+            <a:xfrm>
+              <a:off x="4270626" y="2626467"/>
+              <a:ext cx="2149907" cy="1838529"/>
+            </a:xfrm>
+            <a:prstGeom prst="rect">
+              <a:avLst/>
+            </a:prstGeom>
+          </p:spPr>
+        </p:pic>
+        <p:pic>
+          <p:nvPicPr>
+            <p:cNvPr id="36" name="Picture 35"/>
+            <p:cNvPicPr>
+              <a:picLocks noChangeAspect="1"/>
+            </p:cNvPicPr>
+            <p:nvPr/>
+          </p:nvPicPr>
+          <p:blipFill rotWithShape="1">
+            <a:blip r:embed="rId5"/>
+            <a:srcRect l="3599" t="13946" r="2895" b="3511"/>
+            <a:stretch/>
+          </p:blipFill>
+          <p:spPr>
+            <a:xfrm>
+              <a:off x="6799633" y="1243332"/>
+              <a:ext cx="2070217" cy="1763519"/>
+            </a:xfrm>
+            <a:prstGeom prst="rect">
+              <a:avLst/>
+            </a:prstGeom>
+          </p:spPr>
+        </p:pic>
+        <p:pic>
+          <p:nvPicPr>
+            <p:cNvPr id="37" name="Picture 36"/>
+            <p:cNvPicPr>
+              <a:picLocks noChangeAspect="1"/>
+            </p:cNvPicPr>
+            <p:nvPr/>
+          </p:nvPicPr>
+          <p:blipFill rotWithShape="1">
+            <a:blip r:embed="rId6"/>
+            <a:srcRect l="3597" t="13994" r="2950" b="4560"/>
+            <a:stretch/>
+          </p:blipFill>
+          <p:spPr>
+            <a:xfrm>
+              <a:off x="6799633" y="4065705"/>
+              <a:ext cx="2070217" cy="1741058"/>
+            </a:xfrm>
+            <a:prstGeom prst="rect">
+              <a:avLst/>
+            </a:prstGeom>
+          </p:spPr>
+        </p:pic>
+        <p:pic>
+          <p:nvPicPr>
+            <p:cNvPr id="38" name="Picture 37"/>
+            <p:cNvPicPr>
+              <a:picLocks noChangeAspect="1"/>
+            </p:cNvPicPr>
+            <p:nvPr/>
+          </p:nvPicPr>
+          <p:blipFill rotWithShape="1">
+            <a:blip r:embed="rId7"/>
+            <a:srcRect l="3597" t="13939" r="2950" b="4493"/>
+            <a:stretch/>
+          </p:blipFill>
+          <p:spPr>
+            <a:xfrm>
+              <a:off x="9193417" y="1243332"/>
+              <a:ext cx="2070216" cy="1743708"/>
+            </a:xfrm>
+            <a:prstGeom prst="rect">
+              <a:avLst/>
+            </a:prstGeom>
+          </p:spPr>
+        </p:pic>
+        <p:pic>
+          <p:nvPicPr>
+            <p:cNvPr id="39" name="Picture 38"/>
+            <p:cNvPicPr>
+              <a:picLocks noChangeAspect="1"/>
+            </p:cNvPicPr>
+            <p:nvPr/>
+          </p:nvPicPr>
+          <p:blipFill rotWithShape="1">
+            <a:blip r:embed="rId8"/>
+            <a:srcRect l="3597" t="13994" r="2950" b="4560"/>
+            <a:stretch/>
+          </p:blipFill>
+          <p:spPr>
+            <a:xfrm>
+              <a:off x="9193416" y="4065705"/>
+              <a:ext cx="2070217" cy="1741058"/>
+            </a:xfrm>
+            <a:prstGeom prst="rect">
+              <a:avLst/>
+            </a:prstGeom>
+          </p:spPr>
+        </p:pic>
+        <p:cxnSp>
+          <p:nvCxnSpPr>
+            <p:cNvPr id="42" name="Curved Connector 41"/>
+            <p:cNvCxnSpPr>
+              <a:stCxn id="35" idx="0"/>
+              <a:endCxn id="36" idx="1"/>
+            </p:cNvCxnSpPr>
+            <p:nvPr/>
+          </p:nvCxnSpPr>
+          <p:spPr>
+            <a:xfrm rot="5400000" flipH="1" flipV="1">
+              <a:off x="5821919" y="1648754"/>
+              <a:ext cx="501375" cy="1454053"/>
+            </a:xfrm>
+            <a:prstGeom prst="curvedConnector2">
+              <a:avLst/>
+            </a:prstGeom>
+            <a:ln w="28575">
+              <a:solidFill>
+                <a:srgbClr val="00EE00"/>
+              </a:solidFill>
+              <a:tailEnd type="triangle"/>
+            </a:ln>
+          </p:spPr>
+          <p:style>
+            <a:lnRef idx="1">
+              <a:schemeClr val="accent1"/>
+            </a:lnRef>
+            <a:fillRef idx="0">
+              <a:schemeClr val="accent1"/>
+            </a:fillRef>
+            <a:effectRef idx="0">
+              <a:schemeClr val="accent1"/>
+            </a:effectRef>
+            <a:fontRef idx="minor">
               <a:schemeClr val="tx1"/>
-            </a:solidFill>
-          </a:ln>
-        </p:spPr>
-        <p:style>
-          <a:lnRef idx="1">
-            <a:schemeClr val="accent1"/>
-          </a:lnRef>
-          <a:fillRef idx="0">
-            <a:schemeClr val="accent1"/>
-          </a:fillRef>
-          <a:effectRef idx="0">
-            <a:schemeClr val="accent1"/>
-          </a:effectRef>
-          <a:fontRef idx="minor">
-            <a:schemeClr val="tx1"/>
-          </a:fontRef>
-        </p:style>
-        <p:txBody>
-          <a:bodyPr rtlCol="0" anchor="ctr"/>
-          <a:lstStyle/>
-          <a:p>
-            <a:pPr algn="ctr"/>
-            <a:endParaRPr lang="en-US" dirty="0"/>
-          </a:p>
-        </p:txBody>
-      </p:sp>
-      <p:sp>
-        <p:nvSpPr>
-          <p:cNvPr id="50" name="TextBox 49"/>
-          <p:cNvSpPr txBox="1"/>
-          <p:nvPr/>
-        </p:nvSpPr>
-        <p:spPr>
-          <a:xfrm>
-            <a:off x="7704595" y="153247"/>
-            <a:ext cx="856325" cy="369332"/>
-          </a:xfrm>
-          <a:prstGeom prst="rect">
-            <a:avLst/>
-          </a:prstGeom>
-          <a:noFill/>
-        </p:spPr>
-        <p:txBody>
-          <a:bodyPr wrap="none" rtlCol="0">
-            <a:spAutoFit/>
-          </a:bodyPr>
-          <a:lstStyle/>
-          <a:p>
-            <a:r>
-              <a:rPr lang="en-US" dirty="0"/>
-              <a:t>Closing</a:t>
-            </a:r>
-          </a:p>
-        </p:txBody>
-      </p:sp>
-      <p:sp>
-        <p:nvSpPr>
-          <p:cNvPr id="51" name="TextBox 50"/>
-          <p:cNvSpPr txBox="1"/>
-          <p:nvPr/>
-        </p:nvSpPr>
-        <p:spPr>
-          <a:xfrm>
-            <a:off x="7579493" y="6410947"/>
-            <a:ext cx="979755" cy="369332"/>
-          </a:xfrm>
-          <a:prstGeom prst="rect">
-            <a:avLst/>
-          </a:prstGeom>
-          <a:noFill/>
-        </p:spPr>
-        <p:txBody>
-          <a:bodyPr wrap="none" rtlCol="0">
-            <a:spAutoFit/>
-          </a:bodyPr>
-          <a:lstStyle/>
-          <a:p>
-            <a:r>
-              <a:rPr lang="en-US" dirty="0"/>
-              <a:t>Opening</a:t>
-            </a:r>
-          </a:p>
-        </p:txBody>
-      </p:sp>
-      <p:sp>
-        <p:nvSpPr>
-          <p:cNvPr id="52" name="Right Brace 51"/>
-          <p:cNvSpPr/>
-          <p:nvPr/>
-        </p:nvSpPr>
-        <p:spPr>
-          <a:xfrm rot="5400000" flipV="1">
-            <a:off x="8020636" y="3082630"/>
-            <a:ext cx="97471" cy="6519253"/>
-          </a:xfrm>
-          <a:prstGeom prst="rightBrace">
-            <a:avLst>
-              <a:gd name="adj1" fmla="val 8333"/>
-              <a:gd name="adj2" fmla="val 50235"/>
-            </a:avLst>
-          </a:prstGeom>
-          <a:ln w="12700">
-            <a:solidFill>
+            </a:fontRef>
+          </p:style>
+        </p:cxnSp>
+        <p:cxnSp>
+          <p:nvCxnSpPr>
+            <p:cNvPr id="44" name="Curved Connector 43"/>
+            <p:cNvCxnSpPr>
+              <a:stCxn id="36" idx="0"/>
+              <a:endCxn id="38" idx="0"/>
+            </p:cNvCxnSpPr>
+            <p:nvPr/>
+          </p:nvCxnSpPr>
+          <p:spPr>
+            <a:xfrm rot="5400000" flipH="1" flipV="1">
+              <a:off x="9031633" y="46441"/>
+              <a:ext cx="12700" cy="2393783"/>
+            </a:xfrm>
+            <a:prstGeom prst="curvedConnector3">
+              <a:avLst>
+                <a:gd name="adj1" fmla="val 1800000"/>
+              </a:avLst>
+            </a:prstGeom>
+            <a:ln w="38100">
+              <a:solidFill>
+                <a:srgbClr val="FF0000"/>
+              </a:solidFill>
+              <a:tailEnd type="triangle"/>
+            </a:ln>
+          </p:spPr>
+          <p:style>
+            <a:lnRef idx="1">
+              <a:schemeClr val="accent1"/>
+            </a:lnRef>
+            <a:fillRef idx="0">
+              <a:schemeClr val="accent1"/>
+            </a:fillRef>
+            <a:effectRef idx="0">
+              <a:schemeClr val="accent1"/>
+            </a:effectRef>
+            <a:fontRef idx="minor">
               <a:schemeClr val="tx1"/>
-            </a:solidFill>
-          </a:ln>
-        </p:spPr>
-        <p:style>
-          <a:lnRef idx="1">
-            <a:schemeClr val="accent1"/>
-          </a:lnRef>
-          <a:fillRef idx="0">
-            <a:schemeClr val="accent1"/>
-          </a:fillRef>
-          <a:effectRef idx="0">
-            <a:schemeClr val="accent1"/>
-          </a:effectRef>
-          <a:fontRef idx="minor">
-            <a:schemeClr val="tx1"/>
-          </a:fontRef>
-        </p:style>
-        <p:txBody>
-          <a:bodyPr rtlCol="0" anchor="ctr"/>
-          <a:lstStyle/>
-          <a:p>
-            <a:pPr algn="ctr"/>
-            <a:endParaRPr lang="en-US" dirty="0"/>
-          </a:p>
-        </p:txBody>
-      </p:sp>
+            </a:fontRef>
+          </p:style>
+        </p:cxnSp>
+        <p:cxnSp>
+          <p:nvCxnSpPr>
+            <p:cNvPr id="46" name="Curved Connector 45"/>
+            <p:cNvCxnSpPr>
+              <a:stCxn id="35" idx="2"/>
+              <a:endCxn id="37" idx="1"/>
+            </p:cNvCxnSpPr>
+            <p:nvPr/>
+          </p:nvCxnSpPr>
+          <p:spPr>
+            <a:xfrm rot="16200000" flipH="1">
+              <a:off x="5836987" y="3973588"/>
+              <a:ext cx="471238" cy="1454053"/>
+            </a:xfrm>
+            <a:prstGeom prst="curvedConnector2">
+              <a:avLst/>
+            </a:prstGeom>
+            <a:ln w="38100">
+              <a:solidFill>
+                <a:srgbClr val="FF0000"/>
+              </a:solidFill>
+              <a:tailEnd type="triangle"/>
+            </a:ln>
+          </p:spPr>
+          <p:style>
+            <a:lnRef idx="1">
+              <a:schemeClr val="accent1"/>
+            </a:lnRef>
+            <a:fillRef idx="0">
+              <a:schemeClr val="accent1"/>
+            </a:fillRef>
+            <a:effectRef idx="0">
+              <a:schemeClr val="accent1"/>
+            </a:effectRef>
+            <a:fontRef idx="minor">
+              <a:schemeClr val="tx1"/>
+            </a:fontRef>
+          </p:style>
+        </p:cxnSp>
+        <p:cxnSp>
+          <p:nvCxnSpPr>
+            <p:cNvPr id="48" name="Curved Connector 47"/>
+            <p:cNvCxnSpPr>
+              <a:stCxn id="37" idx="2"/>
+              <a:endCxn id="39" idx="2"/>
+            </p:cNvCxnSpPr>
+            <p:nvPr/>
+          </p:nvCxnSpPr>
+          <p:spPr>
+            <a:xfrm rot="16200000" flipH="1">
+              <a:off x="9031633" y="4609871"/>
+              <a:ext cx="12700" cy="2393783"/>
+            </a:xfrm>
+            <a:prstGeom prst="curvedConnector3">
+              <a:avLst>
+                <a:gd name="adj1" fmla="val 1800000"/>
+              </a:avLst>
+            </a:prstGeom>
+            <a:ln w="38100">
+              <a:solidFill>
+                <a:srgbClr val="00EE00"/>
+              </a:solidFill>
+              <a:tailEnd type="triangle"/>
+            </a:ln>
+          </p:spPr>
+          <p:style>
+            <a:lnRef idx="1">
+              <a:schemeClr val="accent1"/>
+            </a:lnRef>
+            <a:fillRef idx="0">
+              <a:schemeClr val="accent1"/>
+            </a:fillRef>
+            <a:effectRef idx="0">
+              <a:schemeClr val="accent1"/>
+            </a:effectRef>
+            <a:fontRef idx="minor">
+              <a:schemeClr val="tx1"/>
+            </a:fontRef>
+          </p:style>
+        </p:cxnSp>
+        <p:sp>
+          <p:nvSpPr>
+            <p:cNvPr id="49" name="Right Brace 48"/>
+            <p:cNvSpPr/>
+            <p:nvPr/>
+          </p:nvSpPr>
+          <p:spPr>
+            <a:xfrm rot="16200000">
+              <a:off x="8053276" y="-2623416"/>
+              <a:ext cx="129727" cy="6421717"/>
+            </a:xfrm>
+            <a:prstGeom prst="rightBrace">
+              <a:avLst>
+                <a:gd name="adj1" fmla="val 8333"/>
+                <a:gd name="adj2" fmla="val 50235"/>
+              </a:avLst>
+            </a:prstGeom>
+            <a:ln w="12700">
+              <a:solidFill>
+                <a:schemeClr val="tx1"/>
+              </a:solidFill>
+            </a:ln>
+          </p:spPr>
+          <p:style>
+            <a:lnRef idx="1">
+              <a:schemeClr val="accent1"/>
+            </a:lnRef>
+            <a:fillRef idx="0">
+              <a:schemeClr val="accent1"/>
+            </a:fillRef>
+            <a:effectRef idx="0">
+              <a:schemeClr val="accent1"/>
+            </a:effectRef>
+            <a:fontRef idx="minor">
+              <a:schemeClr val="tx1"/>
+            </a:fontRef>
+          </p:style>
+          <p:txBody>
+            <a:bodyPr rtlCol="0" anchor="ctr"/>
+            <a:lstStyle/>
+            <a:p>
+              <a:pPr algn="ctr"/>
+              <a:endParaRPr lang="en-US" dirty="0"/>
+            </a:p>
+          </p:txBody>
+        </p:sp>
+        <p:sp>
+          <p:nvSpPr>
+            <p:cNvPr id="50" name="TextBox 49"/>
+            <p:cNvSpPr txBox="1"/>
+            <p:nvPr/>
+          </p:nvSpPr>
+          <p:spPr>
+            <a:xfrm>
+              <a:off x="7704595" y="153247"/>
+              <a:ext cx="856325" cy="369332"/>
+            </a:xfrm>
+            <a:prstGeom prst="rect">
+              <a:avLst/>
+            </a:prstGeom>
+            <a:noFill/>
+          </p:spPr>
+          <p:txBody>
+            <a:bodyPr wrap="none" rtlCol="0">
+              <a:spAutoFit/>
+            </a:bodyPr>
+            <a:lstStyle/>
+            <a:p>
+              <a:r>
+                <a:rPr lang="en-US" dirty="0"/>
+                <a:t>Closing</a:t>
+              </a:r>
+            </a:p>
+          </p:txBody>
+        </p:sp>
+        <p:sp>
+          <p:nvSpPr>
+            <p:cNvPr id="51" name="TextBox 50"/>
+            <p:cNvSpPr txBox="1"/>
+            <p:nvPr/>
+          </p:nvSpPr>
+          <p:spPr>
+            <a:xfrm>
+              <a:off x="7579493" y="6410947"/>
+              <a:ext cx="979755" cy="369332"/>
+            </a:xfrm>
+            <a:prstGeom prst="rect">
+              <a:avLst/>
+            </a:prstGeom>
+            <a:noFill/>
+          </p:spPr>
+          <p:txBody>
+            <a:bodyPr wrap="none" rtlCol="0">
+              <a:spAutoFit/>
+            </a:bodyPr>
+            <a:lstStyle/>
+            <a:p>
+              <a:r>
+                <a:rPr lang="en-US" dirty="0"/>
+                <a:t>Opening</a:t>
+              </a:r>
+            </a:p>
+          </p:txBody>
+        </p:sp>
+        <p:sp>
+          <p:nvSpPr>
+            <p:cNvPr id="52" name="Right Brace 51"/>
+            <p:cNvSpPr/>
+            <p:nvPr/>
+          </p:nvSpPr>
+          <p:spPr>
+            <a:xfrm rot="5400000" flipV="1">
+              <a:off x="8020636" y="3082630"/>
+              <a:ext cx="97471" cy="6519253"/>
+            </a:xfrm>
+            <a:prstGeom prst="rightBrace">
+              <a:avLst>
+                <a:gd name="adj1" fmla="val 8333"/>
+                <a:gd name="adj2" fmla="val 50235"/>
+              </a:avLst>
+            </a:prstGeom>
+            <a:ln w="12700">
+              <a:solidFill>
+                <a:schemeClr val="tx1"/>
+              </a:solidFill>
+            </a:ln>
+          </p:spPr>
+          <p:style>
+            <a:lnRef idx="1">
+              <a:schemeClr val="accent1"/>
+            </a:lnRef>
+            <a:fillRef idx="0">
+              <a:schemeClr val="accent1"/>
+            </a:fillRef>
+            <a:effectRef idx="0">
+              <a:schemeClr val="accent1"/>
+            </a:effectRef>
+            <a:fontRef idx="minor">
+              <a:schemeClr val="tx1"/>
+            </a:fontRef>
+          </p:style>
+          <p:txBody>
+            <a:bodyPr rtlCol="0" anchor="ctr"/>
+            <a:lstStyle/>
+            <a:p>
+              <a:pPr algn="ctr"/>
+              <a:endParaRPr lang="en-US" dirty="0"/>
+            </a:p>
+          </p:txBody>
+        </p:sp>
+      </p:grpSp>
     </p:spTree>
     <p:extLst>
       <p:ext uri="{BB962C8B-B14F-4D97-AF65-F5344CB8AC3E}">
@@ -3538,289 +3559,310 @@
           <a:chExt cx="0" cy="0"/>
         </a:xfrm>
       </p:grpSpPr>
-      <p:pic>
-        <p:nvPicPr>
-          <p:cNvPr id="2" name="Picture 1">
+      <p:grpSp>
+        <p:nvGrpSpPr>
+          <p:cNvPr id="13" name="Group 12">
             <a:extLst>
               <a:ext uri="{FF2B5EF4-FFF2-40B4-BE49-F238E27FC236}">
-                <a16:creationId xmlns:a16="http://schemas.microsoft.com/office/drawing/2014/main" id="{5F361980-3A00-4B96-9FE2-8407AA42BDDB}"/>
+                <a16:creationId xmlns:a16="http://schemas.microsoft.com/office/drawing/2014/main" id="{40C431DF-28A8-468E-B5EB-D5CADB7D1923}"/>
               </a:ext>
             </a:extLst>
           </p:cNvPr>
-          <p:cNvPicPr>
-            <a:picLocks noChangeAspect="1"/>
-          </p:cNvPicPr>
+          <p:cNvGrpSpPr/>
           <p:nvPr/>
-        </p:nvPicPr>
-        <p:blipFill>
-          <a:blip r:embed="rId2"/>
-          <a:stretch>
-            <a:fillRect/>
-          </a:stretch>
-        </p:blipFill>
-        <p:spPr>
+        </p:nvGrpSpPr>
+        <p:grpSpPr>
           <a:xfrm>
-            <a:off x="3114741" y="1163551"/>
-            <a:ext cx="2931533" cy="2586647"/>
+            <a:off x="120878" y="1413170"/>
+            <a:ext cx="11950243" cy="3378750"/>
+            <a:chOff x="100648" y="371448"/>
+            <a:chExt cx="11950243" cy="3378750"/>
           </a:xfrm>
-          <a:prstGeom prst="rect">
-            <a:avLst/>
-          </a:prstGeom>
-        </p:spPr>
-      </p:pic>
-      <p:pic>
-        <p:nvPicPr>
-          <p:cNvPr id="3" name="Picture 2">
-            <a:extLst>
-              <a:ext uri="{FF2B5EF4-FFF2-40B4-BE49-F238E27FC236}">
-                <a16:creationId xmlns:a16="http://schemas.microsoft.com/office/drawing/2014/main" id="{9CA753B3-536C-4C12-AB96-B150E99DAD6D}"/>
-              </a:ext>
-            </a:extLst>
-          </p:cNvPr>
-          <p:cNvPicPr>
-            <a:picLocks noChangeAspect="1"/>
-          </p:cNvPicPr>
-          <p:nvPr/>
-        </p:nvPicPr>
-        <p:blipFill>
-          <a:blip r:embed="rId3"/>
-          <a:stretch>
-            <a:fillRect/>
-          </a:stretch>
-        </p:blipFill>
-        <p:spPr>
-          <a:xfrm>
-            <a:off x="100648" y="1163550"/>
-            <a:ext cx="2931533" cy="2586647"/>
-          </a:xfrm>
-          <a:prstGeom prst="rect">
-            <a:avLst/>
-          </a:prstGeom>
-        </p:spPr>
-      </p:pic>
-      <p:sp>
-        <p:nvSpPr>
-          <p:cNvPr id="4" name="TextBox 3">
-            <a:extLst>
-              <a:ext uri="{FF2B5EF4-FFF2-40B4-BE49-F238E27FC236}">
-                <a16:creationId xmlns:a16="http://schemas.microsoft.com/office/drawing/2014/main" id="{DC40A257-2B99-4690-B1CE-9D860DB141C3}"/>
-              </a:ext>
-            </a:extLst>
-          </p:cNvPr>
-          <p:cNvSpPr txBox="1"/>
-          <p:nvPr/>
-        </p:nvSpPr>
-        <p:spPr>
-          <a:xfrm>
-            <a:off x="310174" y="1590432"/>
-            <a:ext cx="859383" cy="369332"/>
-          </a:xfrm>
-          <a:prstGeom prst="rect">
-            <a:avLst/>
-          </a:prstGeom>
-          <a:noFill/>
-        </p:spPr>
-        <p:txBody>
-          <a:bodyPr wrap="square" rtlCol="0">
-            <a:spAutoFit/>
-          </a:bodyPr>
-          <a:lstStyle/>
-          <a:p>
-            <a:r>
-              <a:rPr lang="en-US" dirty="0">
-                <a:solidFill>
-                  <a:srgbClr val="FC13FC"/>
-                </a:solidFill>
-              </a:rPr>
-              <a:t>Ch2 </a:t>
-            </a:r>
-          </a:p>
-        </p:txBody>
-      </p:sp>
-      <p:sp>
-        <p:nvSpPr>
-          <p:cNvPr id="5" name="TextBox 4">
-            <a:extLst>
-              <a:ext uri="{FF2B5EF4-FFF2-40B4-BE49-F238E27FC236}">
-                <a16:creationId xmlns:a16="http://schemas.microsoft.com/office/drawing/2014/main" id="{1E0B93F3-CACB-41C1-A544-75E99A4B2A26}"/>
-              </a:ext>
-            </a:extLst>
-          </p:cNvPr>
-          <p:cNvSpPr txBox="1"/>
-          <p:nvPr/>
-        </p:nvSpPr>
-        <p:spPr>
-          <a:xfrm>
-            <a:off x="310174" y="1284658"/>
-            <a:ext cx="859383" cy="369332"/>
-          </a:xfrm>
-          <a:prstGeom prst="rect">
-            <a:avLst/>
-          </a:prstGeom>
-          <a:noFill/>
-        </p:spPr>
-        <p:txBody>
-          <a:bodyPr wrap="square" rtlCol="0">
-            <a:spAutoFit/>
-          </a:bodyPr>
-          <a:lstStyle/>
-          <a:p>
-            <a:r>
-              <a:rPr lang="en-US" dirty="0">
-                <a:solidFill>
-                  <a:srgbClr val="85FF85"/>
-                </a:solidFill>
-              </a:rPr>
-              <a:t>Ch1</a:t>
-            </a:r>
-            <a:r>
-              <a:rPr lang="en-US" dirty="0">
-                <a:solidFill>
-                  <a:srgbClr val="FC13FC"/>
-                </a:solidFill>
-              </a:rPr>
-              <a:t> </a:t>
-            </a:r>
-          </a:p>
-        </p:txBody>
-      </p:sp>
-      <p:pic>
-        <p:nvPicPr>
-          <p:cNvPr id="6" name="Picture 5">
-            <a:extLst>
-              <a:ext uri="{FF2B5EF4-FFF2-40B4-BE49-F238E27FC236}">
-                <a16:creationId xmlns:a16="http://schemas.microsoft.com/office/drawing/2014/main" id="{DB81E352-3570-4882-A83C-9AFB69F6472C}"/>
-              </a:ext>
-            </a:extLst>
-          </p:cNvPr>
-          <p:cNvPicPr>
-            <a:picLocks noChangeAspect="1"/>
-          </p:cNvPicPr>
-          <p:nvPr/>
-        </p:nvPicPr>
-        <p:blipFill>
-          <a:blip r:embed="rId4"/>
-          <a:stretch>
-            <a:fillRect/>
-          </a:stretch>
-        </p:blipFill>
-        <p:spPr>
-          <a:xfrm>
-            <a:off x="6096000" y="1163550"/>
-            <a:ext cx="2931533" cy="2586647"/>
-          </a:xfrm>
-          <a:prstGeom prst="rect">
-            <a:avLst/>
-          </a:prstGeom>
-        </p:spPr>
-      </p:pic>
-      <p:pic>
-        <p:nvPicPr>
-          <p:cNvPr id="9" name="Picture 8">
-            <a:extLst>
-              <a:ext uri="{FF2B5EF4-FFF2-40B4-BE49-F238E27FC236}">
-                <a16:creationId xmlns:a16="http://schemas.microsoft.com/office/drawing/2014/main" id="{BE56F1A3-3ACC-466B-B7B1-44812CA0B3EC}"/>
-              </a:ext>
-            </a:extLst>
-          </p:cNvPr>
-          <p:cNvPicPr>
-            <a:picLocks noChangeAspect="1"/>
-          </p:cNvPicPr>
-          <p:nvPr/>
-        </p:nvPicPr>
-        <p:blipFill>
-          <a:blip r:embed="rId5"/>
-          <a:stretch>
-            <a:fillRect/>
-          </a:stretch>
-        </p:blipFill>
-        <p:spPr>
-          <a:xfrm>
-            <a:off x="9119358" y="1163550"/>
-            <a:ext cx="2931533" cy="2586647"/>
-          </a:xfrm>
-          <a:prstGeom prst="rect">
-            <a:avLst/>
-          </a:prstGeom>
-        </p:spPr>
-      </p:pic>
-      <p:cxnSp>
-        <p:nvCxnSpPr>
-          <p:cNvPr id="11" name="Straight Arrow Connector 10">
-            <a:extLst>
-              <a:ext uri="{FF2B5EF4-FFF2-40B4-BE49-F238E27FC236}">
-                <a16:creationId xmlns:a16="http://schemas.microsoft.com/office/drawing/2014/main" id="{923B4C14-74CE-46C1-A48C-330006F897DA}"/>
-              </a:ext>
-            </a:extLst>
-          </p:cNvPr>
-          <p:cNvCxnSpPr/>
-          <p:nvPr/>
-        </p:nvCxnSpPr>
-        <p:spPr>
-          <a:xfrm>
-            <a:off x="3065015" y="740780"/>
-            <a:ext cx="8787461" cy="0"/>
-          </a:xfrm>
-          <a:prstGeom prst="straightConnector1">
-            <a:avLst/>
-          </a:prstGeom>
-          <a:ln w="38100">
-            <a:solidFill>
+        </p:grpSpPr>
+        <p:pic>
+          <p:nvPicPr>
+            <p:cNvPr id="2" name="Picture 1">
+              <a:extLst>
+                <a:ext uri="{FF2B5EF4-FFF2-40B4-BE49-F238E27FC236}">
+                  <a16:creationId xmlns:a16="http://schemas.microsoft.com/office/drawing/2014/main" id="{5F361980-3A00-4B96-9FE2-8407AA42BDDB}"/>
+                </a:ext>
+              </a:extLst>
+            </p:cNvPr>
+            <p:cNvPicPr>
+              <a:picLocks noChangeAspect="1"/>
+            </p:cNvPicPr>
+            <p:nvPr/>
+          </p:nvPicPr>
+          <p:blipFill>
+            <a:blip r:embed="rId2"/>
+            <a:stretch>
+              <a:fillRect/>
+            </a:stretch>
+          </p:blipFill>
+          <p:spPr>
+            <a:xfrm>
+              <a:off x="3114741" y="1163551"/>
+              <a:ext cx="2931533" cy="2586647"/>
+            </a:xfrm>
+            <a:prstGeom prst="rect">
+              <a:avLst/>
+            </a:prstGeom>
+          </p:spPr>
+        </p:pic>
+        <p:pic>
+          <p:nvPicPr>
+            <p:cNvPr id="3" name="Picture 2">
+              <a:extLst>
+                <a:ext uri="{FF2B5EF4-FFF2-40B4-BE49-F238E27FC236}">
+                  <a16:creationId xmlns:a16="http://schemas.microsoft.com/office/drawing/2014/main" id="{9CA753B3-536C-4C12-AB96-B150E99DAD6D}"/>
+                </a:ext>
+              </a:extLst>
+            </p:cNvPr>
+            <p:cNvPicPr>
+              <a:picLocks noChangeAspect="1"/>
+            </p:cNvPicPr>
+            <p:nvPr/>
+          </p:nvPicPr>
+          <p:blipFill>
+            <a:blip r:embed="rId3"/>
+            <a:stretch>
+              <a:fillRect/>
+            </a:stretch>
+          </p:blipFill>
+          <p:spPr>
+            <a:xfrm>
+              <a:off x="100648" y="1163550"/>
+              <a:ext cx="2931533" cy="2586647"/>
+            </a:xfrm>
+            <a:prstGeom prst="rect">
+              <a:avLst/>
+            </a:prstGeom>
+          </p:spPr>
+        </p:pic>
+        <p:sp>
+          <p:nvSpPr>
+            <p:cNvPr id="4" name="TextBox 3">
+              <a:extLst>
+                <a:ext uri="{FF2B5EF4-FFF2-40B4-BE49-F238E27FC236}">
+                  <a16:creationId xmlns:a16="http://schemas.microsoft.com/office/drawing/2014/main" id="{DC40A257-2B99-4690-B1CE-9D860DB141C3}"/>
+                </a:ext>
+              </a:extLst>
+            </p:cNvPr>
+            <p:cNvSpPr txBox="1"/>
+            <p:nvPr/>
+          </p:nvSpPr>
+          <p:spPr>
+            <a:xfrm>
+              <a:off x="310174" y="1590432"/>
+              <a:ext cx="859383" cy="369332"/>
+            </a:xfrm>
+            <a:prstGeom prst="rect">
+              <a:avLst/>
+            </a:prstGeom>
+            <a:noFill/>
+          </p:spPr>
+          <p:txBody>
+            <a:bodyPr wrap="square" rtlCol="0">
+              <a:spAutoFit/>
+            </a:bodyPr>
+            <a:lstStyle/>
+            <a:p>
+              <a:r>
+                <a:rPr lang="en-US" dirty="0">
+                  <a:solidFill>
+                    <a:srgbClr val="FC13FC"/>
+                  </a:solidFill>
+                </a:rPr>
+                <a:t>Ch2 </a:t>
+              </a:r>
+            </a:p>
+          </p:txBody>
+        </p:sp>
+        <p:sp>
+          <p:nvSpPr>
+            <p:cNvPr id="5" name="TextBox 4">
+              <a:extLst>
+                <a:ext uri="{FF2B5EF4-FFF2-40B4-BE49-F238E27FC236}">
+                  <a16:creationId xmlns:a16="http://schemas.microsoft.com/office/drawing/2014/main" id="{1E0B93F3-CACB-41C1-A544-75E99A4B2A26}"/>
+                </a:ext>
+              </a:extLst>
+            </p:cNvPr>
+            <p:cNvSpPr txBox="1"/>
+            <p:nvPr/>
+          </p:nvSpPr>
+          <p:spPr>
+            <a:xfrm>
+              <a:off x="310174" y="1284658"/>
+              <a:ext cx="859383" cy="369332"/>
+            </a:xfrm>
+            <a:prstGeom prst="rect">
+              <a:avLst/>
+            </a:prstGeom>
+            <a:noFill/>
+          </p:spPr>
+          <p:txBody>
+            <a:bodyPr wrap="square" rtlCol="0">
+              <a:spAutoFit/>
+            </a:bodyPr>
+            <a:lstStyle/>
+            <a:p>
+              <a:r>
+                <a:rPr lang="en-US" dirty="0">
+                  <a:solidFill>
+                    <a:srgbClr val="85FF85"/>
+                  </a:solidFill>
+                </a:rPr>
+                <a:t>Ch1</a:t>
+              </a:r>
+              <a:r>
+                <a:rPr lang="en-US" dirty="0">
+                  <a:solidFill>
+                    <a:srgbClr val="FC13FC"/>
+                  </a:solidFill>
+                </a:rPr>
+                <a:t> </a:t>
+              </a:r>
+            </a:p>
+          </p:txBody>
+        </p:sp>
+        <p:pic>
+          <p:nvPicPr>
+            <p:cNvPr id="6" name="Picture 5">
+              <a:extLst>
+                <a:ext uri="{FF2B5EF4-FFF2-40B4-BE49-F238E27FC236}">
+                  <a16:creationId xmlns:a16="http://schemas.microsoft.com/office/drawing/2014/main" id="{DB81E352-3570-4882-A83C-9AFB69F6472C}"/>
+                </a:ext>
+              </a:extLst>
+            </p:cNvPr>
+            <p:cNvPicPr>
+              <a:picLocks noChangeAspect="1"/>
+            </p:cNvPicPr>
+            <p:nvPr/>
+          </p:nvPicPr>
+          <p:blipFill>
+            <a:blip r:embed="rId4"/>
+            <a:stretch>
+              <a:fillRect/>
+            </a:stretch>
+          </p:blipFill>
+          <p:spPr>
+            <a:xfrm>
+              <a:off x="6096000" y="1163550"/>
+              <a:ext cx="2931533" cy="2586647"/>
+            </a:xfrm>
+            <a:prstGeom prst="rect">
+              <a:avLst/>
+            </a:prstGeom>
+          </p:spPr>
+        </p:pic>
+        <p:pic>
+          <p:nvPicPr>
+            <p:cNvPr id="9" name="Picture 8">
+              <a:extLst>
+                <a:ext uri="{FF2B5EF4-FFF2-40B4-BE49-F238E27FC236}">
+                  <a16:creationId xmlns:a16="http://schemas.microsoft.com/office/drawing/2014/main" id="{BE56F1A3-3ACC-466B-B7B1-44812CA0B3EC}"/>
+                </a:ext>
+              </a:extLst>
+            </p:cNvPr>
+            <p:cNvPicPr>
+              <a:picLocks noChangeAspect="1"/>
+            </p:cNvPicPr>
+            <p:nvPr/>
+          </p:nvPicPr>
+          <p:blipFill>
+            <a:blip r:embed="rId5"/>
+            <a:stretch>
+              <a:fillRect/>
+            </a:stretch>
+          </p:blipFill>
+          <p:spPr>
+            <a:xfrm>
+              <a:off x="9119358" y="1163550"/>
+              <a:ext cx="2931533" cy="2586647"/>
+            </a:xfrm>
+            <a:prstGeom prst="rect">
+              <a:avLst/>
+            </a:prstGeom>
+          </p:spPr>
+        </p:pic>
+        <p:cxnSp>
+          <p:nvCxnSpPr>
+            <p:cNvPr id="11" name="Straight Arrow Connector 10">
+              <a:extLst>
+                <a:ext uri="{FF2B5EF4-FFF2-40B4-BE49-F238E27FC236}">
+                  <a16:creationId xmlns:a16="http://schemas.microsoft.com/office/drawing/2014/main" id="{923B4C14-74CE-46C1-A48C-330006F897DA}"/>
+                </a:ext>
+              </a:extLst>
+            </p:cNvPr>
+            <p:cNvCxnSpPr/>
+            <p:nvPr/>
+          </p:nvCxnSpPr>
+          <p:spPr>
+            <a:xfrm>
+              <a:off x="3065015" y="740780"/>
+              <a:ext cx="8787461" cy="0"/>
+            </a:xfrm>
+            <a:prstGeom prst="straightConnector1">
+              <a:avLst/>
+            </a:prstGeom>
+            <a:ln w="38100">
+              <a:solidFill>
+                <a:schemeClr val="tx1"/>
+              </a:solidFill>
+              <a:tailEnd type="triangle"/>
+            </a:ln>
+          </p:spPr>
+          <p:style>
+            <a:lnRef idx="1">
+              <a:schemeClr val="accent1"/>
+            </a:lnRef>
+            <a:fillRef idx="0">
+              <a:schemeClr val="accent1"/>
+            </a:fillRef>
+            <a:effectRef idx="0">
+              <a:schemeClr val="accent1"/>
+            </a:effectRef>
+            <a:fontRef idx="minor">
               <a:schemeClr val="tx1"/>
-            </a:solidFill>
-            <a:tailEnd type="triangle"/>
-          </a:ln>
-        </p:spPr>
-        <p:style>
-          <a:lnRef idx="1">
-            <a:schemeClr val="accent1"/>
-          </a:lnRef>
-          <a:fillRef idx="0">
-            <a:schemeClr val="accent1"/>
-          </a:fillRef>
-          <a:effectRef idx="0">
-            <a:schemeClr val="accent1"/>
-          </a:effectRef>
-          <a:fontRef idx="minor">
-            <a:schemeClr val="tx1"/>
-          </a:fontRef>
-        </p:style>
-      </p:cxnSp>
-      <p:sp>
-        <p:nvSpPr>
-          <p:cNvPr id="12" name="TextBox 11">
-            <a:extLst>
-              <a:ext uri="{FF2B5EF4-FFF2-40B4-BE49-F238E27FC236}">
-                <a16:creationId xmlns:a16="http://schemas.microsoft.com/office/drawing/2014/main" id="{0E4D403F-3CA0-4AFB-826B-E13167E246C7}"/>
-              </a:ext>
-            </a:extLst>
-          </p:cNvPr>
-          <p:cNvSpPr txBox="1"/>
-          <p:nvPr/>
-        </p:nvSpPr>
-        <p:spPr>
-          <a:xfrm>
-            <a:off x="5833641" y="371448"/>
-            <a:ext cx="2328266" cy="369332"/>
-          </a:xfrm>
-          <a:prstGeom prst="rect">
-            <a:avLst/>
-          </a:prstGeom>
-          <a:noFill/>
-        </p:spPr>
-        <p:txBody>
-          <a:bodyPr wrap="none" rtlCol="0">
-            <a:spAutoFit/>
-          </a:bodyPr>
-          <a:lstStyle/>
-          <a:p>
-            <a:r>
-              <a:rPr lang="en-US" dirty="0"/>
-              <a:t>Morphological filtering</a:t>
-            </a:r>
-          </a:p>
-        </p:txBody>
-      </p:sp>
+            </a:fontRef>
+          </p:style>
+        </p:cxnSp>
+        <p:sp>
+          <p:nvSpPr>
+            <p:cNvPr id="12" name="TextBox 11">
+              <a:extLst>
+                <a:ext uri="{FF2B5EF4-FFF2-40B4-BE49-F238E27FC236}">
+                  <a16:creationId xmlns:a16="http://schemas.microsoft.com/office/drawing/2014/main" id="{0E4D403F-3CA0-4AFB-826B-E13167E246C7}"/>
+                </a:ext>
+              </a:extLst>
+            </p:cNvPr>
+            <p:cNvSpPr txBox="1"/>
+            <p:nvPr/>
+          </p:nvSpPr>
+          <p:spPr>
+            <a:xfrm>
+              <a:off x="5833641" y="371448"/>
+              <a:ext cx="2328266" cy="369332"/>
+            </a:xfrm>
+            <a:prstGeom prst="rect">
+              <a:avLst/>
+            </a:prstGeom>
+            <a:noFill/>
+          </p:spPr>
+          <p:txBody>
+            <a:bodyPr wrap="none" rtlCol="0">
+              <a:spAutoFit/>
+            </a:bodyPr>
+            <a:lstStyle/>
+            <a:p>
+              <a:r>
+                <a:rPr lang="en-US" dirty="0"/>
+                <a:t>Morphological filtering</a:t>
+              </a:r>
+            </a:p>
+          </p:txBody>
+        </p:sp>
+      </p:grpSp>
     </p:spTree>
     <p:extLst>
       <p:ext uri="{BB962C8B-B14F-4D97-AF65-F5344CB8AC3E}">
